--- a/课件.pptx
+++ b/课件.pptx
@@ -5,7 +5,7 @@
     <p:sldMasterId id="2147483648" r:id="rId1"/>
   </p:sldMasterIdLst>
   <p:notesMasterIdLst>
-    <p:notesMasterId r:id="rId13"/>
+    <p:notesMasterId r:id="rId15"/>
   </p:notesMasterIdLst>
   <p:sldIdLst>
     <p:sldId id="256" r:id="rId2"/>
@@ -14,11 +14,13 @@
     <p:sldId id="259" r:id="rId5"/>
     <p:sldId id="263" r:id="rId6"/>
     <p:sldId id="266" r:id="rId7"/>
-    <p:sldId id="260" r:id="rId8"/>
-    <p:sldId id="261" r:id="rId9"/>
-    <p:sldId id="262" r:id="rId10"/>
-    <p:sldId id="264" r:id="rId11"/>
-    <p:sldId id="265" r:id="rId12"/>
+    <p:sldId id="268" r:id="rId8"/>
+    <p:sldId id="260" r:id="rId9"/>
+    <p:sldId id="261" r:id="rId10"/>
+    <p:sldId id="267" r:id="rId11"/>
+    <p:sldId id="262" r:id="rId12"/>
+    <p:sldId id="264" r:id="rId13"/>
+    <p:sldId id="265" r:id="rId14"/>
   </p:sldIdLst>
   <p:sldSz cx="12192000" cy="6858000"/>
   <p:notesSz cx="6858000" cy="9144000"/>
@@ -117,6 +119,11 @@
       </a:defRPr>
     </a:lvl9pPr>
   </p:defaultTextStyle>
+  <p:extLst>
+    <p:ext uri="{EFAFB233-063F-42B5-8137-9DF3F51BA10A}">
+      <p15:sldGuideLst xmlns:p15="http://schemas.microsoft.com/office/powerpoint/2012/main"/>
+    </p:ext>
+  </p:extLst>
 </p:presentation>
 </file>
 
@@ -1253,6 +1260,13 @@
         </dgm:presLayoutVars>
       </dgm:prSet>
       <dgm:spPr/>
+      <dgm:t>
+        <a:bodyPr/>
+        <a:lstStyle/>
+        <a:p>
+          <a:endParaRPr lang="zh-CN" altLang="en-US"/>
+        </a:p>
+      </dgm:t>
     </dgm:pt>
     <dgm:pt modelId="{6BA933F1-1DDA-46F3-95F7-FEB3478D3AA7}" type="pres">
       <dgm:prSet presAssocID="{308B45D1-BD67-4146-9B8E-AA8FA8C6A814}" presName="matrix" presStyleCnt="0"/>
@@ -1388,21 +1402,21 @@
     </dgm:pt>
   </dgm:ptLst>
   <dgm:cxnLst>
+    <dgm:cxn modelId="{E62F8479-07CA-469A-90D5-DCB38DA893F1}" type="presOf" srcId="{55DF8AF0-C109-414A-8572-4AF70EE2BB57}" destId="{6E8595E5-0B95-4320-86CB-581587F709D0}" srcOrd="1" destOrd="0" presId="urn:microsoft.com/office/officeart/2005/8/layout/matrix1"/>
+    <dgm:cxn modelId="{07998B22-8FA0-4522-8683-E220F2DF569D}" type="presOf" srcId="{8DBF1BBC-E00F-4F79-BAED-5742018259E0}" destId="{C6958D6D-FBF5-4F97-AFE8-A9F382C3EE91}" srcOrd="0" destOrd="0" presId="urn:microsoft.com/office/officeart/2005/8/layout/matrix1"/>
+    <dgm:cxn modelId="{DC909246-AB35-4B6A-8BF1-CA37EDFA26BF}" srcId="{EEDF8752-82D6-4070-9C13-81B485DDFA65}" destId="{55DF8AF0-C109-414A-8572-4AF70EE2BB57}" srcOrd="0" destOrd="0" parTransId="{3ED27478-F4EA-4F1D-950B-72CD12D7C6AC}" sibTransId="{DD3C14EA-A6AE-4D80-83E1-9ADB4876B9C9}"/>
+    <dgm:cxn modelId="{BA792D21-3E77-4EEB-A13E-D6A540E98E1F}" srcId="{EEDF8752-82D6-4070-9C13-81B485DDFA65}" destId="{8DBF1BBC-E00F-4F79-BAED-5742018259E0}" srcOrd="2" destOrd="0" parTransId="{35C874F5-5B09-4E1A-9515-E075C30B3BCF}" sibTransId="{0348D3A2-5F6E-4657-8189-6E1BCAD7D133}"/>
+    <dgm:cxn modelId="{421F66EC-F6CD-41D1-8FEE-B5CB7D0CC1F2}" type="presOf" srcId="{308B45D1-BD67-4146-9B8E-AA8FA8C6A814}" destId="{BFB0EDC5-674C-4F6F-9C2B-0FE9FCF7B746}" srcOrd="0" destOrd="0" presId="urn:microsoft.com/office/officeart/2005/8/layout/matrix1"/>
+    <dgm:cxn modelId="{60397032-EBE1-4B6F-9635-0ADC3CCCC07E}" type="presOf" srcId="{6F46C2A8-EE96-4AB6-98C9-9DF2F4A13C99}" destId="{79CA2EF6-61CB-4496-880B-4D800E37DEF3}" srcOrd="1" destOrd="0" presId="urn:microsoft.com/office/officeart/2005/8/layout/matrix1"/>
+    <dgm:cxn modelId="{81102A52-292E-4BC2-A59F-A6A99ADE90C2}" type="presOf" srcId="{EEDF8752-82D6-4070-9C13-81B485DDFA65}" destId="{ACE208DB-0E3E-4711-8191-8E0AD2A5F73F}" srcOrd="0" destOrd="0" presId="urn:microsoft.com/office/officeart/2005/8/layout/matrix1"/>
+    <dgm:cxn modelId="{A4EB5DE9-DA29-4BC8-B9C6-209B83791B28}" srcId="{EEDF8752-82D6-4070-9C13-81B485DDFA65}" destId="{D28FB2C9-0B97-47E9-B301-7642C2FDE142}" srcOrd="1" destOrd="0" parTransId="{09109682-1A93-45A1-8BA2-A542EF402D0C}" sibTransId="{5FED5ED0-39E4-4465-8FB8-413450F4D874}"/>
+    <dgm:cxn modelId="{55DE8454-E577-43AB-BCB3-D6712907544A}" type="presOf" srcId="{55DF8AF0-C109-414A-8572-4AF70EE2BB57}" destId="{3CE08B04-0C3C-4340-963E-D378E81A276C}" srcOrd="0" destOrd="0" presId="urn:microsoft.com/office/officeart/2005/8/layout/matrix1"/>
+    <dgm:cxn modelId="{4E5F2E96-E46D-4DF3-858C-16EE2E9F1D8E}" srcId="{308B45D1-BD67-4146-9B8E-AA8FA8C6A814}" destId="{EEDF8752-82D6-4070-9C13-81B485DDFA65}" srcOrd="0" destOrd="0" parTransId="{0965664A-54FD-4286-91A7-FD45B483A5F7}" sibTransId="{9FC7D514-6471-4395-83F1-F9674915BE10}"/>
+    <dgm:cxn modelId="{3FE3AF40-E668-4E92-9049-DF1CD3B5338A}" srcId="{EEDF8752-82D6-4070-9C13-81B485DDFA65}" destId="{6F46C2A8-EE96-4AB6-98C9-9DF2F4A13C99}" srcOrd="3" destOrd="0" parTransId="{491CF0C2-EF75-49B5-BFCC-DED083EF7B15}" sibTransId="{0B2C6E9C-6688-4388-A604-450BB887E695}"/>
+    <dgm:cxn modelId="{235EDE27-3707-4AC9-A73F-6ED4011F6B7F}" type="presOf" srcId="{D28FB2C9-0B97-47E9-B301-7642C2FDE142}" destId="{53AA3CD5-9C2E-4275-9212-B002BD86B20F}" srcOrd="0" destOrd="0" presId="urn:microsoft.com/office/officeart/2005/8/layout/matrix1"/>
+    <dgm:cxn modelId="{23B3BEC5-B616-4526-AA7E-A60E7BD2FB0C}" type="presOf" srcId="{6F46C2A8-EE96-4AB6-98C9-9DF2F4A13C99}" destId="{39267BF0-B9A4-4F40-9810-582BCE0D0185}" srcOrd="0" destOrd="0" presId="urn:microsoft.com/office/officeart/2005/8/layout/matrix1"/>
     <dgm:cxn modelId="{C8C4DE0C-8DA9-4B8B-A8E5-BDA6D9EE5171}" type="presOf" srcId="{8DBF1BBC-E00F-4F79-BAED-5742018259E0}" destId="{70C67223-EE9A-4B63-97C6-830A31933F9C}" srcOrd="1" destOrd="0" presId="urn:microsoft.com/office/officeart/2005/8/layout/matrix1"/>
-    <dgm:cxn modelId="{60397032-EBE1-4B6F-9635-0ADC3CCCC07E}" type="presOf" srcId="{6F46C2A8-EE96-4AB6-98C9-9DF2F4A13C99}" destId="{79CA2EF6-61CB-4496-880B-4D800E37DEF3}" srcOrd="1" destOrd="0" presId="urn:microsoft.com/office/officeart/2005/8/layout/matrix1"/>
-    <dgm:cxn modelId="{E62F8479-07CA-469A-90D5-DCB38DA893F1}" type="presOf" srcId="{55DF8AF0-C109-414A-8572-4AF70EE2BB57}" destId="{6E8595E5-0B95-4320-86CB-581587F709D0}" srcOrd="1" destOrd="0" presId="urn:microsoft.com/office/officeart/2005/8/layout/matrix1"/>
-    <dgm:cxn modelId="{A4EB5DE9-DA29-4BC8-B9C6-209B83791B28}" srcId="{EEDF8752-82D6-4070-9C13-81B485DDFA65}" destId="{D28FB2C9-0B97-47E9-B301-7642C2FDE142}" srcOrd="1" destOrd="0" parTransId="{09109682-1A93-45A1-8BA2-A542EF402D0C}" sibTransId="{5FED5ED0-39E4-4465-8FB8-413450F4D874}"/>
-    <dgm:cxn modelId="{235EDE27-3707-4AC9-A73F-6ED4011F6B7F}" type="presOf" srcId="{D28FB2C9-0B97-47E9-B301-7642C2FDE142}" destId="{53AA3CD5-9C2E-4275-9212-B002BD86B20F}" srcOrd="0" destOrd="0" presId="urn:microsoft.com/office/officeart/2005/8/layout/matrix1"/>
-    <dgm:cxn modelId="{421F66EC-F6CD-41D1-8FEE-B5CB7D0CC1F2}" type="presOf" srcId="{308B45D1-BD67-4146-9B8E-AA8FA8C6A814}" destId="{BFB0EDC5-674C-4F6F-9C2B-0FE9FCF7B746}" srcOrd="0" destOrd="0" presId="urn:microsoft.com/office/officeart/2005/8/layout/matrix1"/>
-    <dgm:cxn modelId="{4E5F2E96-E46D-4DF3-858C-16EE2E9F1D8E}" srcId="{308B45D1-BD67-4146-9B8E-AA8FA8C6A814}" destId="{EEDF8752-82D6-4070-9C13-81B485DDFA65}" srcOrd="0" destOrd="0" parTransId="{0965664A-54FD-4286-91A7-FD45B483A5F7}" sibTransId="{9FC7D514-6471-4395-83F1-F9674915BE10}"/>
-    <dgm:cxn modelId="{DC909246-AB35-4B6A-8BF1-CA37EDFA26BF}" srcId="{EEDF8752-82D6-4070-9C13-81B485DDFA65}" destId="{55DF8AF0-C109-414A-8572-4AF70EE2BB57}" srcOrd="0" destOrd="0" parTransId="{3ED27478-F4EA-4F1D-950B-72CD12D7C6AC}" sibTransId="{DD3C14EA-A6AE-4D80-83E1-9ADB4876B9C9}"/>
-    <dgm:cxn modelId="{55DE8454-E577-43AB-BCB3-D6712907544A}" type="presOf" srcId="{55DF8AF0-C109-414A-8572-4AF70EE2BB57}" destId="{3CE08B04-0C3C-4340-963E-D378E81A276C}" srcOrd="0" destOrd="0" presId="urn:microsoft.com/office/officeart/2005/8/layout/matrix1"/>
     <dgm:cxn modelId="{B360A52C-488E-48B2-9A64-7665FCC55F3E}" type="presOf" srcId="{D28FB2C9-0B97-47E9-B301-7642C2FDE142}" destId="{9250D65C-1008-4174-945D-6E5DCFB0377C}" srcOrd="1" destOrd="0" presId="urn:microsoft.com/office/officeart/2005/8/layout/matrix1"/>
-    <dgm:cxn modelId="{81102A52-292E-4BC2-A59F-A6A99ADE90C2}" type="presOf" srcId="{EEDF8752-82D6-4070-9C13-81B485DDFA65}" destId="{ACE208DB-0E3E-4711-8191-8E0AD2A5F73F}" srcOrd="0" destOrd="0" presId="urn:microsoft.com/office/officeart/2005/8/layout/matrix1"/>
-    <dgm:cxn modelId="{07998B22-8FA0-4522-8683-E220F2DF569D}" type="presOf" srcId="{8DBF1BBC-E00F-4F79-BAED-5742018259E0}" destId="{C6958D6D-FBF5-4F97-AFE8-A9F382C3EE91}" srcOrd="0" destOrd="0" presId="urn:microsoft.com/office/officeart/2005/8/layout/matrix1"/>
-    <dgm:cxn modelId="{3FE3AF40-E668-4E92-9049-DF1CD3B5338A}" srcId="{EEDF8752-82D6-4070-9C13-81B485DDFA65}" destId="{6F46C2A8-EE96-4AB6-98C9-9DF2F4A13C99}" srcOrd="3" destOrd="0" parTransId="{491CF0C2-EF75-49B5-BFCC-DED083EF7B15}" sibTransId="{0B2C6E9C-6688-4388-A604-450BB887E695}"/>
-    <dgm:cxn modelId="{23B3BEC5-B616-4526-AA7E-A60E7BD2FB0C}" type="presOf" srcId="{6F46C2A8-EE96-4AB6-98C9-9DF2F4A13C99}" destId="{39267BF0-B9A4-4F40-9810-582BCE0D0185}" srcOrd="0" destOrd="0" presId="urn:microsoft.com/office/officeart/2005/8/layout/matrix1"/>
-    <dgm:cxn modelId="{BA792D21-3E77-4EEB-A13E-D6A540E98E1F}" srcId="{EEDF8752-82D6-4070-9C13-81B485DDFA65}" destId="{8DBF1BBC-E00F-4F79-BAED-5742018259E0}" srcOrd="2" destOrd="0" parTransId="{35C874F5-5B09-4E1A-9515-E075C30B3BCF}" sibTransId="{0348D3A2-5F6E-4657-8189-6E1BCAD7D133}"/>
     <dgm:cxn modelId="{B2DED7D0-71D4-4E0B-8845-DE1135E6ED5C}" type="presParOf" srcId="{BFB0EDC5-674C-4F6F-9C2B-0FE9FCF7B746}" destId="{6BA933F1-1DDA-46F3-95F7-FEB3478D3AA7}" srcOrd="0" destOrd="0" presId="urn:microsoft.com/office/officeart/2005/8/layout/matrix1"/>
     <dgm:cxn modelId="{782CFDE6-9D35-4D3D-87C2-AB6E1241E496}" type="presParOf" srcId="{6BA933F1-1DDA-46F3-95F7-FEB3478D3AA7}" destId="{3CE08B04-0C3C-4340-963E-D378E81A276C}" srcOrd="0" destOrd="0" presId="urn:microsoft.com/office/officeart/2005/8/layout/matrix1"/>
     <dgm:cxn modelId="{5E81987B-2668-44D1-9A26-27F193E963B3}" type="presParOf" srcId="{6BA933F1-1DDA-46F3-95F7-FEB3478D3AA7}" destId="{6E8595E5-0B95-4320-86CB-581587F709D0}" srcOrd="1" destOrd="0" presId="urn:microsoft.com/office/officeart/2005/8/layout/matrix1"/>
@@ -1432,540 +1446,6 @@
       <dsp:cNvGrpSpPr/>
     </dsp:nvGrpSpPr>
     <dsp:grpSpPr/>
-    <dsp:sp modelId="{3CE08B04-0C3C-4340-963E-D378E81A276C}">
-      <dsp:nvSpPr>
-        <dsp:cNvPr id="0" name=""/>
-        <dsp:cNvSpPr/>
-      </dsp:nvSpPr>
-      <dsp:spPr>
-        <a:xfrm rot="16200000">
-          <a:off x="671123" y="-671123"/>
-          <a:ext cx="2542365" cy="3884612"/>
-        </a:xfrm>
-        <a:prstGeom prst="round1Rect">
-          <a:avLst/>
-        </a:prstGeom>
-        <a:solidFill>
-          <a:srgbClr val="018FB2"/>
-        </a:solidFill>
-        <a:ln w="12700" cap="flat" cmpd="sng" algn="ctr">
-          <a:solidFill>
-            <a:schemeClr val="lt1">
-              <a:hueOff val="0"/>
-              <a:satOff val="0"/>
-              <a:lumOff val="0"/>
-              <a:alphaOff val="0"/>
-            </a:schemeClr>
-          </a:solidFill>
-          <a:prstDash val="solid"/>
-          <a:miter lim="800000"/>
-        </a:ln>
-        <a:effectLst/>
-      </dsp:spPr>
-      <dsp:style>
-        <a:lnRef idx="2">
-          <a:scrgbClr r="0" g="0" b="0"/>
-        </a:lnRef>
-        <a:fillRef idx="1">
-          <a:scrgbClr r="0" g="0" b="0"/>
-        </a:fillRef>
-        <a:effectRef idx="0">
-          <a:scrgbClr r="0" g="0" b="0"/>
-        </a:effectRef>
-        <a:fontRef idx="minor">
-          <a:schemeClr val="lt1"/>
-        </a:fontRef>
-      </dsp:style>
-      <dsp:txBody>
-        <a:bodyPr spcFirstLastPara="0" vert="horz" wrap="square" lIns="170688" tIns="170688" rIns="170688" bIns="170688" numCol="1" spcCol="1270" anchor="ctr" anchorCtr="0">
-          <a:noAutofit/>
-        </a:bodyPr>
-        <a:lstStyle/>
-        <a:p>
-          <a:pPr lvl="0" algn="ctr" defTabSz="1066800">
-            <a:lnSpc>
-              <a:spcPct val="90000"/>
-            </a:lnSpc>
-            <a:spcBef>
-              <a:spcPct val="0"/>
-            </a:spcBef>
-            <a:spcAft>
-              <a:spcPct val="35000"/>
-            </a:spcAft>
-          </a:pPr>
-          <a:r>
-            <a:rPr lang="en-US" altLang="en-US" sz="2400" kern="1200" dirty="0" smtClean="0">
-              <a:latin typeface="微软雅黑" panose="020B0503020204020204" pitchFamily="34" charset="-122"/>
-              <a:ea typeface="微软雅黑" panose="020B0503020204020204" pitchFamily="34" charset="-122"/>
-            </a:rPr>
-            <a:t>JavaScript</a:t>
-          </a:r>
-          <a:r>
-            <a:rPr lang="zh-CN" altLang="en-US" sz="2400" kern="1200" dirty="0" smtClean="0">
-              <a:latin typeface="微软雅黑" panose="020B0503020204020204" pitchFamily="34" charset="-122"/>
-              <a:ea typeface="微软雅黑" panose="020B0503020204020204" pitchFamily="34" charset="-122"/>
-            </a:rPr>
-            <a:t>重构</a:t>
-          </a:r>
-          <a:endParaRPr lang="en-US" altLang="zh-CN" sz="2400" kern="1200" dirty="0" smtClean="0">
-            <a:latin typeface="微软雅黑" panose="020B0503020204020204" pitchFamily="34" charset="-122"/>
-            <a:ea typeface="微软雅黑" panose="020B0503020204020204" pitchFamily="34" charset="-122"/>
-          </a:endParaRPr>
-        </a:p>
-        <a:p>
-          <a:pPr lvl="0" algn="ctr" defTabSz="1066800">
-            <a:lnSpc>
-              <a:spcPct val="90000"/>
-            </a:lnSpc>
-            <a:spcBef>
-              <a:spcPct val="0"/>
-            </a:spcBef>
-            <a:spcAft>
-              <a:spcPct val="35000"/>
-            </a:spcAft>
-          </a:pPr>
-          <a:r>
-            <a:rPr lang="en-US" altLang="zh-CN" sz="2400" kern="1200" dirty="0" smtClean="0">
-              <a:latin typeface="微软雅黑" panose="020B0503020204020204" pitchFamily="34" charset="-122"/>
-              <a:ea typeface="微软雅黑" panose="020B0503020204020204" pitchFamily="34" charset="-122"/>
-            </a:rPr>
-            <a:t>JavaScript</a:t>
-          </a:r>
-          <a:r>
-            <a:rPr lang="zh-CN" altLang="zh-CN" sz="2400" kern="1200" dirty="0" smtClean="0">
-              <a:latin typeface="微软雅黑" panose="020B0503020204020204" pitchFamily="34" charset="-122"/>
-              <a:ea typeface="微软雅黑" panose="020B0503020204020204" pitchFamily="34" charset="-122"/>
-            </a:rPr>
-            <a:t>调试</a:t>
-          </a:r>
-          <a:endParaRPr lang="zh-CN" altLang="en-US" sz="2400" kern="1200" dirty="0">
-            <a:latin typeface="微软雅黑" panose="020B0503020204020204" pitchFamily="34" charset="-122"/>
-            <a:ea typeface="微软雅黑" panose="020B0503020204020204" pitchFamily="34" charset="-122"/>
-          </a:endParaRPr>
-        </a:p>
-      </dsp:txBody>
-      <dsp:txXfrm rot="5400000">
-        <a:off x="0" y="0"/>
-        <a:ext cx="3884612" cy="1906774"/>
-      </dsp:txXfrm>
-    </dsp:sp>
-    <dsp:sp modelId="{53AA3CD5-9C2E-4275-9212-B002BD86B20F}">
-      <dsp:nvSpPr>
-        <dsp:cNvPr id="0" name=""/>
-        <dsp:cNvSpPr/>
-      </dsp:nvSpPr>
-      <dsp:spPr>
-        <a:xfrm>
-          <a:off x="3884612" y="0"/>
-          <a:ext cx="3884612" cy="2542365"/>
-        </a:xfrm>
-        <a:prstGeom prst="round1Rect">
-          <a:avLst/>
-        </a:prstGeom>
-        <a:solidFill>
-          <a:srgbClr val="018FB2"/>
-        </a:solidFill>
-        <a:ln w="12700" cap="flat" cmpd="sng" algn="ctr">
-          <a:solidFill>
-            <a:schemeClr val="lt1">
-              <a:hueOff val="0"/>
-              <a:satOff val="0"/>
-              <a:lumOff val="0"/>
-              <a:alphaOff val="0"/>
-            </a:schemeClr>
-          </a:solidFill>
-          <a:prstDash val="solid"/>
-          <a:miter lim="800000"/>
-        </a:ln>
-        <a:effectLst/>
-      </dsp:spPr>
-      <dsp:style>
-        <a:lnRef idx="2">
-          <a:scrgbClr r="0" g="0" b="0"/>
-        </a:lnRef>
-        <a:fillRef idx="1">
-          <a:scrgbClr r="0" g="0" b="0"/>
-        </a:fillRef>
-        <a:effectRef idx="0">
-          <a:scrgbClr r="0" g="0" b="0"/>
-        </a:effectRef>
-        <a:fontRef idx="minor">
-          <a:schemeClr val="lt1"/>
-        </a:fontRef>
-      </dsp:style>
-      <dsp:txBody>
-        <a:bodyPr spcFirstLastPara="0" vert="horz" wrap="square" lIns="170688" tIns="170688" rIns="170688" bIns="170688" numCol="1" spcCol="1270" anchor="ctr" anchorCtr="0">
-          <a:noAutofit/>
-        </a:bodyPr>
-        <a:lstStyle/>
-        <a:p>
-          <a:pPr lvl="0" algn="ctr" defTabSz="1066800">
-            <a:lnSpc>
-              <a:spcPct val="90000"/>
-            </a:lnSpc>
-            <a:spcBef>
-              <a:spcPct val="0"/>
-            </a:spcBef>
-            <a:spcAft>
-              <a:spcPct val="35000"/>
-            </a:spcAft>
-          </a:pPr>
-          <a:r>
-            <a:rPr lang="en-US" altLang="en-US" sz="2400" kern="1200" dirty="0" smtClean="0">
-              <a:latin typeface="微软雅黑" panose="020B0503020204020204" pitchFamily="34" charset="-122"/>
-              <a:ea typeface="微软雅黑" panose="020B0503020204020204" pitchFamily="34" charset="-122"/>
-            </a:rPr>
-            <a:t>JavaScript</a:t>
-          </a:r>
-          <a:r>
-            <a:rPr lang="zh-CN" altLang="en-US" sz="2400" kern="1200" dirty="0" smtClean="0">
-              <a:latin typeface="微软雅黑" panose="020B0503020204020204" pitchFamily="34" charset="-122"/>
-              <a:ea typeface="微软雅黑" panose="020B0503020204020204" pitchFamily="34" charset="-122"/>
-            </a:rPr>
-            <a:t>单元测试</a:t>
-          </a:r>
-          <a:endParaRPr lang="en-US" altLang="zh-CN" sz="2400" kern="1200" dirty="0" smtClean="0">
-            <a:latin typeface="微软雅黑" panose="020B0503020204020204" pitchFamily="34" charset="-122"/>
-            <a:ea typeface="微软雅黑" panose="020B0503020204020204" pitchFamily="34" charset="-122"/>
-          </a:endParaRPr>
-        </a:p>
-        <a:p>
-          <a:pPr lvl="0" algn="ctr" defTabSz="1066800">
-            <a:lnSpc>
-              <a:spcPct val="90000"/>
-            </a:lnSpc>
-            <a:spcBef>
-              <a:spcPct val="0"/>
-            </a:spcBef>
-            <a:spcAft>
-              <a:spcPct val="35000"/>
-            </a:spcAft>
-          </a:pPr>
-          <a:r>
-            <a:rPr lang="zh-CN" altLang="zh-CN" sz="2400" kern="1200" dirty="0" smtClean="0">
-              <a:latin typeface="微软雅黑" panose="020B0503020204020204" pitchFamily="34" charset="-122"/>
-              <a:ea typeface="微软雅黑" panose="020B0503020204020204" pitchFamily="34" charset="-122"/>
-            </a:rPr>
-            <a:t>支持</a:t>
-          </a:r>
-          <a:r>
-            <a:rPr lang="en-US" altLang="zh-CN" sz="2400" kern="1200" dirty="0" smtClean="0">
-              <a:latin typeface="微软雅黑" panose="020B0503020204020204" pitchFamily="34" charset="-122"/>
-              <a:ea typeface="微软雅黑" panose="020B0503020204020204" pitchFamily="34" charset="-122"/>
-            </a:rPr>
-            <a:t>HTML5</a:t>
-          </a:r>
-          <a:endParaRPr lang="zh-CN" altLang="en-US" sz="2400" kern="1200" dirty="0">
-            <a:latin typeface="微软雅黑" panose="020B0503020204020204" pitchFamily="34" charset="-122"/>
-            <a:ea typeface="微软雅黑" panose="020B0503020204020204" pitchFamily="34" charset="-122"/>
-          </a:endParaRPr>
-        </a:p>
-      </dsp:txBody>
-      <dsp:txXfrm>
-        <a:off x="3884612" y="0"/>
-        <a:ext cx="3884612" cy="1906774"/>
-      </dsp:txXfrm>
-    </dsp:sp>
-    <dsp:sp modelId="{C6958D6D-FBF5-4F97-AFE8-A9F382C3EE91}">
-      <dsp:nvSpPr>
-        <dsp:cNvPr id="0" name=""/>
-        <dsp:cNvSpPr/>
-      </dsp:nvSpPr>
-      <dsp:spPr>
-        <a:xfrm rot="10800000">
-          <a:off x="0" y="2542365"/>
-          <a:ext cx="3884612" cy="2542365"/>
-        </a:xfrm>
-        <a:prstGeom prst="round1Rect">
-          <a:avLst/>
-        </a:prstGeom>
-        <a:solidFill>
-          <a:srgbClr val="018FB2"/>
-        </a:solidFill>
-        <a:ln w="12700" cap="flat" cmpd="sng" algn="ctr">
-          <a:solidFill>
-            <a:schemeClr val="lt1">
-              <a:hueOff val="0"/>
-              <a:satOff val="0"/>
-              <a:lumOff val="0"/>
-              <a:alphaOff val="0"/>
-            </a:schemeClr>
-          </a:solidFill>
-          <a:prstDash val="solid"/>
-          <a:miter lim="800000"/>
-        </a:ln>
-        <a:effectLst/>
-      </dsp:spPr>
-      <dsp:style>
-        <a:lnRef idx="2">
-          <a:scrgbClr r="0" g="0" b="0"/>
-        </a:lnRef>
-        <a:fillRef idx="1">
-          <a:scrgbClr r="0" g="0" b="0"/>
-        </a:fillRef>
-        <a:effectRef idx="0">
-          <a:scrgbClr r="0" g="0" b="0"/>
-        </a:effectRef>
-        <a:fontRef idx="minor">
-          <a:schemeClr val="lt1"/>
-        </a:fontRef>
-      </dsp:style>
-      <dsp:txBody>
-        <a:bodyPr spcFirstLastPara="0" vert="horz" wrap="square" lIns="170688" tIns="170688" rIns="170688" bIns="170688" numCol="1" spcCol="1270" anchor="ctr" anchorCtr="0">
-          <a:noAutofit/>
-        </a:bodyPr>
-        <a:lstStyle/>
-        <a:p>
-          <a:pPr lvl="0" algn="ctr" defTabSz="1066800">
-            <a:lnSpc>
-              <a:spcPct val="90000"/>
-            </a:lnSpc>
-            <a:spcBef>
-              <a:spcPct val="0"/>
-            </a:spcBef>
-            <a:spcAft>
-              <a:spcPct val="35000"/>
-            </a:spcAft>
-          </a:pPr>
-          <a:r>
-            <a:rPr lang="zh-CN" altLang="en-US" sz="2400" kern="1200" dirty="0" smtClean="0">
-              <a:latin typeface="微软雅黑" panose="020B0503020204020204" pitchFamily="34" charset="-122"/>
-              <a:ea typeface="微软雅黑" panose="020B0503020204020204" pitchFamily="34" charset="-122"/>
-            </a:rPr>
-            <a:t>代码检测和快速修复</a:t>
-          </a:r>
-          <a:endParaRPr lang="en-US" altLang="zh-CN" sz="2400" kern="1200" dirty="0" smtClean="0">
-            <a:latin typeface="微软雅黑" panose="020B0503020204020204" pitchFamily="34" charset="-122"/>
-            <a:ea typeface="微软雅黑" panose="020B0503020204020204" pitchFamily="34" charset="-122"/>
-          </a:endParaRPr>
-        </a:p>
-        <a:p>
-          <a:pPr lvl="0" algn="ctr" defTabSz="1066800">
-            <a:lnSpc>
-              <a:spcPct val="90000"/>
-            </a:lnSpc>
-            <a:spcBef>
-              <a:spcPct val="0"/>
-            </a:spcBef>
-            <a:spcAft>
-              <a:spcPct val="35000"/>
-            </a:spcAft>
-          </a:pPr>
-          <a:r>
-            <a:rPr lang="en-US" altLang="zh-CN" sz="2400" kern="1200" dirty="0" err="1" smtClean="0">
-              <a:latin typeface="微软雅黑" panose="020B0503020204020204" pitchFamily="34" charset="-122"/>
-              <a:ea typeface="微软雅黑" panose="020B0503020204020204" pitchFamily="34" charset="-122"/>
-            </a:rPr>
-            <a:t>Zencoding</a:t>
-          </a:r>
-          <a:r>
-            <a:rPr lang="zh-CN" altLang="zh-CN" sz="2400" kern="1200" dirty="0" smtClean="0">
-              <a:latin typeface="微软雅黑" panose="020B0503020204020204" pitchFamily="34" charset="-122"/>
-              <a:ea typeface="微软雅黑" panose="020B0503020204020204" pitchFamily="34" charset="-122"/>
-            </a:rPr>
-            <a:t>编码</a:t>
-          </a:r>
-          <a:endParaRPr lang="zh-CN" altLang="en-US" sz="2400" kern="1200" dirty="0">
-            <a:latin typeface="微软雅黑" panose="020B0503020204020204" pitchFamily="34" charset="-122"/>
-            <a:ea typeface="微软雅黑" panose="020B0503020204020204" pitchFamily="34" charset="-122"/>
-          </a:endParaRPr>
-        </a:p>
-      </dsp:txBody>
-      <dsp:txXfrm rot="10800000">
-        <a:off x="0" y="3177956"/>
-        <a:ext cx="3884612" cy="1906774"/>
-      </dsp:txXfrm>
-    </dsp:sp>
-    <dsp:sp modelId="{39267BF0-B9A4-4F40-9810-582BCE0D0185}">
-      <dsp:nvSpPr>
-        <dsp:cNvPr id="0" name=""/>
-        <dsp:cNvSpPr/>
-      </dsp:nvSpPr>
-      <dsp:spPr>
-        <a:xfrm rot="5400000">
-          <a:off x="4555736" y="1871242"/>
-          <a:ext cx="2542365" cy="3884612"/>
-        </a:xfrm>
-        <a:prstGeom prst="round1Rect">
-          <a:avLst/>
-        </a:prstGeom>
-        <a:solidFill>
-          <a:srgbClr val="018FB2"/>
-        </a:solidFill>
-        <a:ln w="12700" cap="flat" cmpd="sng" algn="ctr">
-          <a:solidFill>
-            <a:schemeClr val="lt1">
-              <a:hueOff val="0"/>
-              <a:satOff val="0"/>
-              <a:lumOff val="0"/>
-              <a:alphaOff val="0"/>
-            </a:schemeClr>
-          </a:solidFill>
-          <a:prstDash val="solid"/>
-          <a:miter lim="800000"/>
-        </a:ln>
-        <a:effectLst/>
-      </dsp:spPr>
-      <dsp:style>
-        <a:lnRef idx="2">
-          <a:scrgbClr r="0" g="0" b="0"/>
-        </a:lnRef>
-        <a:fillRef idx="1">
-          <a:scrgbClr r="0" g="0" b="0"/>
-        </a:fillRef>
-        <a:effectRef idx="0">
-          <a:scrgbClr r="0" g="0" b="0"/>
-        </a:effectRef>
-        <a:fontRef idx="minor">
-          <a:schemeClr val="lt1"/>
-        </a:fontRef>
-      </dsp:style>
-      <dsp:txBody>
-        <a:bodyPr spcFirstLastPara="0" vert="horz" wrap="square" lIns="170688" tIns="170688" rIns="170688" bIns="170688" numCol="1" spcCol="1270" anchor="ctr" anchorCtr="0">
-          <a:noAutofit/>
-        </a:bodyPr>
-        <a:lstStyle/>
-        <a:p>
-          <a:pPr lvl="0" algn="ctr" defTabSz="1066800">
-            <a:lnSpc>
-              <a:spcPct val="90000"/>
-            </a:lnSpc>
-            <a:spcBef>
-              <a:spcPct val="0"/>
-            </a:spcBef>
-            <a:spcAft>
-              <a:spcPct val="35000"/>
-            </a:spcAft>
-          </a:pPr>
-          <a:r>
-            <a:rPr lang="en-US" altLang="en-US" sz="2400" kern="1200" dirty="0" smtClean="0">
-              <a:latin typeface="微软雅黑" panose="020B0503020204020204" pitchFamily="34" charset="-122"/>
-              <a:ea typeface="微软雅黑" panose="020B0503020204020204" pitchFamily="34" charset="-122"/>
-            </a:rPr>
-            <a:t>JSLint/</a:t>
-          </a:r>
-          <a:r>
-            <a:rPr lang="en-US" altLang="en-US" sz="2400" kern="1200" dirty="0" err="1" smtClean="0">
-              <a:latin typeface="微软雅黑" panose="020B0503020204020204" pitchFamily="34" charset="-122"/>
-              <a:ea typeface="微软雅黑" panose="020B0503020204020204" pitchFamily="34" charset="-122"/>
-            </a:rPr>
-            <a:t>JSHint</a:t>
-          </a:r>
-          <a:endParaRPr lang="en-US" altLang="en-US" sz="2400" kern="1200" dirty="0" smtClean="0">
-            <a:latin typeface="微软雅黑" panose="020B0503020204020204" pitchFamily="34" charset="-122"/>
-            <a:ea typeface="微软雅黑" panose="020B0503020204020204" pitchFamily="34" charset="-122"/>
-          </a:endParaRPr>
-        </a:p>
-        <a:p>
-          <a:pPr lvl="0" algn="ctr" defTabSz="1066800">
-            <a:lnSpc>
-              <a:spcPct val="90000"/>
-            </a:lnSpc>
-            <a:spcBef>
-              <a:spcPct val="0"/>
-            </a:spcBef>
-            <a:spcAft>
-              <a:spcPct val="35000"/>
-            </a:spcAft>
-          </a:pPr>
-          <a:r>
-            <a:rPr lang="zh-CN" altLang="en-US" sz="2400" kern="1200" dirty="0" smtClean="0">
-              <a:latin typeface="微软雅黑" panose="020B0503020204020204" pitchFamily="34" charset="-122"/>
-              <a:ea typeface="微软雅黑" panose="020B0503020204020204" pitchFamily="34" charset="-122"/>
-            </a:rPr>
-            <a:t>集成了版本控制系统</a:t>
-          </a:r>
-          <a:endParaRPr lang="zh-CN" altLang="en-US" sz="2400" kern="1200" dirty="0">
-            <a:latin typeface="微软雅黑" panose="020B0503020204020204" pitchFamily="34" charset="-122"/>
-            <a:ea typeface="微软雅黑" panose="020B0503020204020204" pitchFamily="34" charset="-122"/>
-          </a:endParaRPr>
-        </a:p>
-      </dsp:txBody>
-      <dsp:txXfrm rot="-5400000">
-        <a:off x="3884612" y="3177956"/>
-        <a:ext cx="3884612" cy="1906774"/>
-      </dsp:txXfrm>
-    </dsp:sp>
-    <dsp:sp modelId="{ACE208DB-0E3E-4711-8191-8E0AD2A5F73F}">
-      <dsp:nvSpPr>
-        <dsp:cNvPr id="0" name=""/>
-        <dsp:cNvSpPr/>
-      </dsp:nvSpPr>
-      <dsp:spPr>
-        <a:xfrm>
-          <a:off x="2719228" y="1906774"/>
-          <a:ext cx="2330767" cy="1271182"/>
-        </a:xfrm>
-        <a:prstGeom prst="roundRect">
-          <a:avLst/>
-        </a:prstGeom>
-        <a:blipFill rotWithShape="0">
-          <a:blip xmlns:r="http://schemas.openxmlformats.org/officeDocument/2006/relationships" r:embed="rId1"/>
-          <a:stretch>
-            <a:fillRect/>
-          </a:stretch>
-        </a:blipFill>
-        <a:ln w="12700" cap="flat" cmpd="sng" algn="ctr">
-          <a:solidFill>
-            <a:schemeClr val="lt1">
-              <a:hueOff val="0"/>
-              <a:satOff val="0"/>
-              <a:lumOff val="0"/>
-              <a:alphaOff val="0"/>
-            </a:schemeClr>
-          </a:solidFill>
-          <a:prstDash val="solid"/>
-          <a:miter lim="800000"/>
-        </a:ln>
-        <a:effectLst/>
-      </dsp:spPr>
-      <dsp:style>
-        <a:lnRef idx="2">
-          <a:scrgbClr r="0" g="0" b="0"/>
-        </a:lnRef>
-        <a:fillRef idx="1">
-          <a:scrgbClr r="0" g="0" b="0"/>
-        </a:fillRef>
-        <a:effectRef idx="0">
-          <a:scrgbClr r="0" g="0" b="0"/>
-        </a:effectRef>
-        <a:fontRef idx="minor"/>
-      </dsp:style>
-      <dsp:txBody>
-        <a:bodyPr spcFirstLastPara="0" vert="horz" wrap="square" lIns="91440" tIns="91440" rIns="91440" bIns="91440" numCol="1" spcCol="1270" anchor="ctr" anchorCtr="0">
-          <a:noAutofit/>
-        </a:bodyPr>
-        <a:lstStyle/>
-        <a:p>
-          <a:pPr lvl="0" algn="ctr" defTabSz="1066800">
-            <a:lnSpc>
-              <a:spcPct val="90000"/>
-            </a:lnSpc>
-            <a:spcBef>
-              <a:spcPct val="0"/>
-            </a:spcBef>
-            <a:spcAft>
-              <a:spcPct val="35000"/>
-            </a:spcAft>
-          </a:pPr>
-          <a:r>
-            <a:rPr lang="en-US" altLang="zh-CN" sz="2400" kern="1200" dirty="0" smtClean="0">
-              <a:latin typeface="微软雅黑" panose="020B0503020204020204" pitchFamily="34" charset="-122"/>
-              <a:ea typeface="微软雅黑" panose="020B0503020204020204" pitchFamily="34" charset="-122"/>
-            </a:rPr>
-            <a:t> </a:t>
-          </a:r>
-          <a:endParaRPr lang="zh-CN" altLang="en-US" sz="2400" kern="1200" dirty="0">
-            <a:latin typeface="微软雅黑" panose="020B0503020204020204" pitchFamily="34" charset="-122"/>
-            <a:ea typeface="微软雅黑" panose="020B0503020204020204" pitchFamily="34" charset="-122"/>
-          </a:endParaRPr>
-        </a:p>
-      </dsp:txBody>
-      <dsp:txXfrm>
-        <a:off x="2781282" y="1968828"/>
-        <a:ext cx="2206659" cy="1147074"/>
-      </dsp:txXfrm>
-    </dsp:sp>
   </dsp:spTree>
 </dsp:drawing>
 </file>
@@ -3463,7 +2943,7 @@
           <a:p>
             <a:fld id="{6E220358-3168-4841-B946-AF50891F8A44}" type="datetimeFigureOut">
               <a:rPr lang="zh-CN" altLang="en-US" smtClean="0"/>
-              <a:t>2015-09-02</a:t>
+              <a:t>2015-09-03</a:t>
             </a:fld>
             <a:endParaRPr lang="zh-CN" altLang="en-US"/>
           </a:p>
@@ -3901,7 +3381,7 @@
           <a:p>
             <a:fld id="{015C9FE7-F843-46C1-A5A4-DF3FB6B6A2F6}" type="datetimeFigureOut">
               <a:rPr lang="zh-CN" altLang="en-US" smtClean="0"/>
-              <a:t>2015-09-02</a:t>
+              <a:t>2015-09-03</a:t>
             </a:fld>
             <a:endParaRPr lang="zh-CN" altLang="en-US"/>
           </a:p>
@@ -4118,7 +3598,7 @@
           <a:p>
             <a:fld id="{015C9FE7-F843-46C1-A5A4-DF3FB6B6A2F6}" type="datetimeFigureOut">
               <a:rPr lang="zh-CN" altLang="en-US" smtClean="0"/>
-              <a:t>2015-09-02</a:t>
+              <a:t>2015-09-03</a:t>
             </a:fld>
             <a:endParaRPr lang="zh-CN" altLang="en-US"/>
           </a:p>
@@ -4328,7 +3808,7 @@
           <a:p>
             <a:fld id="{015C9FE7-F843-46C1-A5A4-DF3FB6B6A2F6}" type="datetimeFigureOut">
               <a:rPr lang="zh-CN" altLang="en-US" smtClean="0"/>
-              <a:t>2015-09-02</a:t>
+              <a:t>2015-09-03</a:t>
             </a:fld>
             <a:endParaRPr lang="zh-CN" altLang="en-US"/>
           </a:p>
@@ -4611,7 +4091,7 @@
           <a:p>
             <a:fld id="{015C9FE7-F843-46C1-A5A4-DF3FB6B6A2F6}" type="datetimeFigureOut">
               <a:rPr lang="zh-CN" altLang="en-US" smtClean="0"/>
-              <a:t>2015-09-02</a:t>
+              <a:t>2015-09-03</a:t>
             </a:fld>
             <a:endParaRPr lang="zh-CN" altLang="en-US"/>
           </a:p>
@@ -4888,7 +4368,7 @@
           <a:p>
             <a:fld id="{015C9FE7-F843-46C1-A5A4-DF3FB6B6A2F6}" type="datetimeFigureOut">
               <a:rPr lang="zh-CN" altLang="en-US" smtClean="0"/>
-              <a:t>2015-09-02</a:t>
+              <a:t>2015-09-03</a:t>
             </a:fld>
             <a:endParaRPr lang="zh-CN" altLang="en-US"/>
           </a:p>
@@ -5301,7 +4781,7 @@
           <a:p>
             <a:fld id="{015C9FE7-F843-46C1-A5A4-DF3FB6B6A2F6}" type="datetimeFigureOut">
               <a:rPr lang="zh-CN" altLang="en-US" smtClean="0"/>
-              <a:t>2015-09-02</a:t>
+              <a:t>2015-09-03</a:t>
             </a:fld>
             <a:endParaRPr lang="zh-CN" altLang="en-US"/>
           </a:p>
@@ -5458,7 +4938,7 @@
           <a:p>
             <a:fld id="{015C9FE7-F843-46C1-A5A4-DF3FB6B6A2F6}" type="datetimeFigureOut">
               <a:rPr lang="zh-CN" altLang="en-US" smtClean="0"/>
-              <a:t>2015-09-02</a:t>
+              <a:t>2015-09-03</a:t>
             </a:fld>
             <a:endParaRPr lang="zh-CN" altLang="en-US"/>
           </a:p>
@@ -5584,7 +5064,7 @@
           <a:p>
             <a:fld id="{015C9FE7-F843-46C1-A5A4-DF3FB6B6A2F6}" type="datetimeFigureOut">
               <a:rPr lang="zh-CN" altLang="en-US" smtClean="0"/>
-              <a:t>2015-09-02</a:t>
+              <a:t>2015-09-03</a:t>
             </a:fld>
             <a:endParaRPr lang="zh-CN" altLang="en-US"/>
           </a:p>
@@ -5901,7 +5381,7 @@
           <a:p>
             <a:fld id="{015C9FE7-F843-46C1-A5A4-DF3FB6B6A2F6}" type="datetimeFigureOut">
               <a:rPr lang="zh-CN" altLang="en-US" smtClean="0"/>
-              <a:t>2015-09-02</a:t>
+              <a:t>2015-09-03</a:t>
             </a:fld>
             <a:endParaRPr lang="zh-CN" altLang="en-US"/>
           </a:p>
@@ -6194,7 +5674,7 @@
           <a:p>
             <a:fld id="{015C9FE7-F843-46C1-A5A4-DF3FB6B6A2F6}" type="datetimeFigureOut">
               <a:rPr lang="zh-CN" altLang="en-US" smtClean="0"/>
-              <a:t>2015-09-02</a:t>
+              <a:t>2015-09-03</a:t>
             </a:fld>
             <a:endParaRPr lang="zh-CN" altLang="en-US"/>
           </a:p>
@@ -6360,6 +5840,123 @@
                 <a:cs typeface="+mn-cs"/>
               </a:rPr>
               <a:t>http://www.zhufengpeixun.cn</a:t>
+            </a:r>
+            <a:endParaRPr lang="zh-CN" altLang="en-US" sz="1200" b="1" kern="1200" dirty="0" smtClean="0">
+              <a:solidFill>
+                <a:schemeClr val="tx1"/>
+              </a:solidFill>
+              <a:latin typeface="+mn-lt"/>
+              <a:ea typeface="+mn-ea"/>
+              <a:cs typeface="+mn-cs"/>
+            </a:endParaRPr>
+          </a:p>
+        </p:txBody>
+      </p:sp>
+      <p:sp>
+        <p:nvSpPr>
+          <p:cNvPr id="3" name="文本框 2"/>
+          <p:cNvSpPr txBox="1"/>
+          <p:nvPr userDrawn="1"/>
+        </p:nvSpPr>
+        <p:spPr>
+          <a:xfrm>
+            <a:off x="367051" y="6370997"/>
+            <a:ext cx="5850832" cy="276999"/>
+          </a:xfrm>
+          <a:prstGeom prst="rect">
+            <a:avLst/>
+          </a:prstGeom>
+          <a:noFill/>
+        </p:spPr>
+        <p:txBody>
+          <a:bodyPr wrap="none" rtlCol="0">
+            <a:spAutoFit/>
+          </a:bodyPr>
+          <a:lstStyle/>
+          <a:p>
+            <a:pPr marL="0" marR="0" indent="0" algn="l" defTabSz="914400" rtl="0" eaLnBrk="1" fontAlgn="auto" latinLnBrk="0" hangingPunct="1">
+              <a:lnSpc>
+                <a:spcPct val="100000"/>
+              </a:lnSpc>
+              <a:spcBef>
+                <a:spcPts val="0"/>
+              </a:spcBef>
+              <a:spcAft>
+                <a:spcPts val="0"/>
+              </a:spcAft>
+              <a:buClrTx/>
+              <a:buSzTx/>
+              <a:buFontTx/>
+              <a:buNone/>
+              <a:tabLst/>
+              <a:defRPr/>
+            </a:pPr>
+            <a:r>
+              <a:rPr lang="zh-CN" altLang="en-US" sz="1200" b="1" kern="1200" dirty="0" smtClean="0">
+                <a:solidFill>
+                  <a:schemeClr val="tx1"/>
+                </a:solidFill>
+                <a:latin typeface="微软雅黑" panose="020B0503020204020204" pitchFamily="34" charset="-122"/>
+                <a:ea typeface="微软雅黑" panose="020B0503020204020204" pitchFamily="34" charset="-122"/>
+                <a:cs typeface="+mn-cs"/>
+              </a:rPr>
+              <a:t>更多免费视频请访问</a:t>
+            </a:r>
+            <a:r>
+              <a:rPr lang="zh-CN" altLang="en-US" sz="1200" b="1" kern="1200" baseline="0" dirty="0" smtClean="0">
+                <a:solidFill>
+                  <a:schemeClr val="tx1"/>
+                </a:solidFill>
+                <a:latin typeface="微软雅黑" panose="020B0503020204020204" pitchFamily="34" charset="-122"/>
+                <a:ea typeface="微软雅黑" panose="020B0503020204020204" pitchFamily="34" charset="-122"/>
+                <a:cs typeface="+mn-cs"/>
+              </a:rPr>
+              <a:t> </a:t>
+            </a:r>
+            <a:r>
+              <a:rPr lang="en-US" altLang="zh-CN" sz="1200" b="1" kern="1200" baseline="0" dirty="0" smtClean="0">
+                <a:solidFill>
+                  <a:schemeClr val="tx1"/>
+                </a:solidFill>
+                <a:latin typeface="微软雅黑" panose="020B0503020204020204" pitchFamily="34" charset="-122"/>
+                <a:ea typeface="微软雅黑" panose="020B0503020204020204" pitchFamily="34" charset="-122"/>
+                <a:cs typeface="+mn-cs"/>
+                <a:hlinkClick r:id="rId13"/>
+              </a:rPr>
+              <a:t>http://www.zhufengpeixun.com</a:t>
+            </a:r>
+            <a:r>
+              <a:rPr lang="en-US" altLang="zh-CN" sz="1200" b="1" kern="1200" baseline="0" dirty="0" smtClean="0">
+                <a:solidFill>
+                  <a:schemeClr val="tx1"/>
+                </a:solidFill>
+                <a:latin typeface="微软雅黑" panose="020B0503020204020204" pitchFamily="34" charset="-122"/>
+                <a:ea typeface="微软雅黑" panose="020B0503020204020204" pitchFamily="34" charset="-122"/>
+                <a:cs typeface="+mn-cs"/>
+              </a:rPr>
+              <a:t> </a:t>
+            </a:r>
+            <a:r>
+              <a:rPr lang="zh-CN" altLang="en-US" sz="1200" b="1" kern="1200" baseline="0" dirty="0" smtClean="0">
+                <a:solidFill>
+                  <a:schemeClr val="tx1"/>
+                </a:solidFill>
+                <a:latin typeface="微软雅黑" panose="020B0503020204020204" pitchFamily="34" charset="-122"/>
+                <a:ea typeface="微软雅黑" panose="020B0503020204020204" pitchFamily="34" charset="-122"/>
+                <a:cs typeface="+mn-cs"/>
+              </a:rPr>
+              <a:t>或联系</a:t>
+            </a:r>
+            <a:r>
+              <a:rPr lang="en-US" altLang="zh-CN" sz="1200" b="1" kern="1200" baseline="0" dirty="0" smtClean="0">
+                <a:solidFill>
+                  <a:schemeClr val="tx1"/>
+                </a:solidFill>
+                <a:latin typeface="微软雅黑" panose="020B0503020204020204" pitchFamily="34" charset="-122"/>
+                <a:ea typeface="微软雅黑" panose="020B0503020204020204" pitchFamily="34" charset="-122"/>
+                <a:cs typeface="+mn-cs"/>
+              </a:rPr>
+              <a:t>QQ 1144709265</a:t>
             </a:r>
             <a:endParaRPr lang="zh-CN" altLang="en-US" sz="1200" b="1" kern="1200" dirty="0" smtClean="0">
               <a:solidFill>
@@ -7026,7 +6623,7 @@
         </p:blipFill>
         <p:spPr>
           <a:xfrm>
-            <a:off x="9028981" y="3278286"/>
+            <a:off x="9004988" y="3506782"/>
             <a:ext cx="2757691" cy="977499"/>
           </a:xfrm>
           <a:prstGeom prst="rect">
@@ -7056,7 +6653,7 @@
         </p:blipFill>
         <p:spPr>
           <a:xfrm>
-            <a:off x="946346" y="3784211"/>
+            <a:off x="505103" y="3767036"/>
             <a:ext cx="1583515" cy="2597520"/>
           </a:xfrm>
           <a:prstGeom prst="rect">
@@ -7116,7 +6713,7 @@
         </p:blipFill>
         <p:spPr>
           <a:xfrm>
-            <a:off x="3688853" y="4206990"/>
+            <a:off x="2499296" y="4160336"/>
             <a:ext cx="2338078" cy="2081295"/>
           </a:xfrm>
           <a:prstGeom prst="rect">
@@ -7146,8 +6743,38 @@
         </p:blipFill>
         <p:spPr>
           <a:xfrm>
-            <a:off x="6811918" y="4652245"/>
+            <a:off x="6733456" y="5039951"/>
             <a:ext cx="4591050" cy="1066800"/>
+          </a:xfrm>
+          <a:prstGeom prst="rect">
+            <a:avLst/>
+          </a:prstGeom>
+        </p:spPr>
+      </p:pic>
+      <p:pic>
+        <p:nvPicPr>
+          <p:cNvPr id="2" name="图片 1"/>
+          <p:cNvPicPr>
+            <a:picLocks noChangeAspect="1"/>
+          </p:cNvPicPr>
+          <p:nvPr/>
+        </p:nvPicPr>
+        <p:blipFill>
+          <a:blip r:embed="rId12">
+            <a:extLst>
+              <a:ext uri="{28A0092B-C50C-407E-A947-70E740481C1C}">
+                <a14:useLocalDpi xmlns:a14="http://schemas.microsoft.com/office/drawing/2010/main" val="0"/>
+              </a:ext>
+            </a:extLst>
+          </a:blip>
+          <a:stretch>
+            <a:fillRect/>
+          </a:stretch>
+        </p:blipFill>
+        <p:spPr>
+          <a:xfrm>
+            <a:off x="5045193" y="3871755"/>
+            <a:ext cx="3238500" cy="1019175"/>
           </a:xfrm>
           <a:prstGeom prst="rect">
             <a:avLst/>
@@ -7203,8 +6830,8 @@
         </p:nvSpPr>
         <p:spPr>
           <a:xfrm>
-            <a:off x="2489977" y="348952"/>
-            <a:ext cx="7377923" cy="652792"/>
+            <a:off x="1854680" y="387052"/>
+            <a:ext cx="7660796" cy="652792"/>
           </a:xfrm>
         </p:spPr>
         <p:txBody>
@@ -7214,39 +6841,38 @@
             <a:r>
               <a:rPr lang="zh-CN" altLang="en-US" b="1" dirty="0" smtClean="0">
                 <a:solidFill>
-                  <a:srgbClr val="42BEAE"/>
+                  <a:srgbClr val="80BD01"/>
                 </a:solidFill>
                 <a:latin typeface="微软雅黑" panose="020B0503020204020204" pitchFamily="34" charset="-122"/>
                 <a:ea typeface="微软雅黑" panose="020B0503020204020204" pitchFamily="34" charset="-122"/>
                 <a:cs typeface="+mn-cs"/>
               </a:rPr>
-              <a:t>前端框架管理器</a:t>
+              <a:t>快速开发平台 </a:t>
             </a:r>
             <a:r>
               <a:rPr lang="en-US" altLang="zh-CN" b="1" dirty="0" smtClean="0">
                 <a:solidFill>
-                  <a:srgbClr val="42BEAE"/>
+                  <a:srgbClr val="80BD01"/>
                 </a:solidFill>
                 <a:latin typeface="微软雅黑" panose="020B0503020204020204" pitchFamily="34" charset="-122"/>
                 <a:ea typeface="微软雅黑" panose="020B0503020204020204" pitchFamily="34" charset="-122"/>
                 <a:cs typeface="+mn-cs"/>
               </a:rPr>
-              <a:t>---</a:t>
+              <a:t>--- </a:t>
             </a:r>
             <a:r>
               <a:rPr lang="en-US" altLang="zh-CN" b="1" dirty="0" smtClean="0">
                 <a:solidFill>
-                  <a:srgbClr val="8A4182"/>
+                  <a:srgbClr val="F05036"/>
                 </a:solidFill>
                 <a:latin typeface="微软雅黑" panose="020B0503020204020204" pitchFamily="34" charset="-122"/>
                 <a:ea typeface="微软雅黑" panose="020B0503020204020204" pitchFamily="34" charset="-122"/>
-                <a:cs typeface="+mn-cs"/>
-              </a:rPr>
-              <a:t>karma</a:t>
+              </a:rPr>
+              <a:t>Express</a:t>
             </a:r>
             <a:endParaRPr lang="zh-CN" altLang="en-US" b="1" dirty="0">
               <a:solidFill>
-                <a:srgbClr val="8A4182"/>
+                <a:srgbClr val="F05036"/>
               </a:solidFill>
               <a:latin typeface="微软雅黑" panose="020B0503020204020204" pitchFamily="34" charset="-122"/>
               <a:ea typeface="微软雅黑" panose="020B0503020204020204" pitchFamily="34" charset="-122"/>
@@ -7277,6 +6903,936 @@
         </p:blipFill>
         <p:spPr>
           <a:xfrm>
+            <a:off x="612116" y="1866989"/>
+            <a:ext cx="3238500" cy="1019175"/>
+          </a:xfrm>
+          <a:prstGeom prst="rect">
+            <a:avLst/>
+          </a:prstGeom>
+        </p:spPr>
+      </p:pic>
+      <p:sp>
+        <p:nvSpPr>
+          <p:cNvPr id="7" name="矩形 6"/>
+          <p:cNvSpPr/>
+          <p:nvPr/>
+        </p:nvSpPr>
+        <p:spPr>
+          <a:xfrm>
+            <a:off x="612116" y="3270213"/>
+            <a:ext cx="4487511" cy="1200329"/>
+          </a:xfrm>
+          <a:prstGeom prst="rect">
+            <a:avLst/>
+          </a:prstGeom>
+        </p:spPr>
+        <p:txBody>
+          <a:bodyPr wrap="none">
+            <a:spAutoFit/>
+          </a:bodyPr>
+          <a:lstStyle/>
+          <a:p>
+            <a:r>
+              <a:rPr lang="zh-CN" altLang="en-US" dirty="0">
+                <a:latin typeface="微软雅黑" panose="020B0503020204020204" pitchFamily="34" charset="-122"/>
+                <a:ea typeface="微软雅黑" panose="020B0503020204020204" pitchFamily="34" charset="-122"/>
+              </a:rPr>
+              <a:t>基于 Node.js 平台，快速、开放</a:t>
+            </a:r>
+            <a:r>
+              <a:rPr lang="zh-CN" altLang="en-US" dirty="0" smtClean="0">
+                <a:latin typeface="微软雅黑" panose="020B0503020204020204" pitchFamily="34" charset="-122"/>
+                <a:ea typeface="微软雅黑" panose="020B0503020204020204" pitchFamily="34" charset="-122"/>
+              </a:rPr>
+              <a:t>、</a:t>
+            </a:r>
+            <a:endParaRPr lang="en-US" altLang="zh-CN" dirty="0" smtClean="0">
+              <a:latin typeface="微软雅黑" panose="020B0503020204020204" pitchFamily="34" charset="-122"/>
+              <a:ea typeface="微软雅黑" panose="020B0503020204020204" pitchFamily="34" charset="-122"/>
+            </a:endParaRPr>
+          </a:p>
+          <a:p>
+            <a:r>
+              <a:rPr lang="zh-CN" altLang="en-US" dirty="0" smtClean="0">
+                <a:latin typeface="微软雅黑" panose="020B0503020204020204" pitchFamily="34" charset="-122"/>
+                <a:ea typeface="微软雅黑" panose="020B0503020204020204" pitchFamily="34" charset="-122"/>
+              </a:rPr>
+              <a:t>极</a:t>
+            </a:r>
+            <a:r>
+              <a:rPr lang="zh-CN" altLang="en-US" dirty="0">
+                <a:latin typeface="微软雅黑" panose="020B0503020204020204" pitchFamily="34" charset="-122"/>
+                <a:ea typeface="微软雅黑" panose="020B0503020204020204" pitchFamily="34" charset="-122"/>
+              </a:rPr>
+              <a:t>简的 web 开发框架</a:t>
+            </a:r>
+            <a:r>
+              <a:rPr lang="zh-CN" altLang="en-US" dirty="0" smtClean="0">
+                <a:latin typeface="微软雅黑" panose="020B0503020204020204" pitchFamily="34" charset="-122"/>
+                <a:ea typeface="微软雅黑" panose="020B0503020204020204" pitchFamily="34" charset="-122"/>
+              </a:rPr>
+              <a:t>。</a:t>
+            </a:r>
+            <a:endParaRPr lang="en-US" altLang="zh-CN" dirty="0" smtClean="0">
+              <a:latin typeface="微软雅黑" panose="020B0503020204020204" pitchFamily="34" charset="-122"/>
+              <a:ea typeface="微软雅黑" panose="020B0503020204020204" pitchFamily="34" charset="-122"/>
+            </a:endParaRPr>
+          </a:p>
+          <a:p>
+            <a:endParaRPr lang="en-US" altLang="zh-CN" dirty="0" smtClean="0">
+              <a:latin typeface="微软雅黑" panose="020B0503020204020204" pitchFamily="34" charset="-122"/>
+              <a:ea typeface="微软雅黑" panose="020B0503020204020204" pitchFamily="34" charset="-122"/>
+            </a:endParaRPr>
+          </a:p>
+          <a:p>
+            <a:r>
+              <a:rPr lang="zh-CN" altLang="en-US" dirty="0" smtClean="0">
+                <a:latin typeface="微软雅黑" panose="020B0503020204020204" pitchFamily="34" charset="-122"/>
+                <a:ea typeface="微软雅黑" panose="020B0503020204020204" pitchFamily="34" charset="-122"/>
+              </a:rPr>
+              <a:t>中文官网</a:t>
+            </a:r>
+            <a:r>
+              <a:rPr lang="en-US" altLang="zh-CN" dirty="0" smtClean="0">
+                <a:latin typeface="微软雅黑" panose="020B0503020204020204" pitchFamily="34" charset="-122"/>
+                <a:ea typeface="微软雅黑" panose="020B0503020204020204" pitchFamily="34" charset="-122"/>
+              </a:rPr>
+              <a:t>: http</a:t>
+            </a:r>
+            <a:r>
+              <a:rPr lang="en-US" altLang="zh-CN" dirty="0">
+                <a:latin typeface="微软雅黑" panose="020B0503020204020204" pitchFamily="34" charset="-122"/>
+                <a:ea typeface="微软雅黑" panose="020B0503020204020204" pitchFamily="34" charset="-122"/>
+              </a:rPr>
+              <a:t>://</a:t>
+            </a:r>
+            <a:r>
+              <a:rPr lang="en-US" altLang="zh-CN" dirty="0" smtClean="0">
+                <a:latin typeface="微软雅黑" panose="020B0503020204020204" pitchFamily="34" charset="-122"/>
+                <a:ea typeface="微软雅黑" panose="020B0503020204020204" pitchFamily="34" charset="-122"/>
+              </a:rPr>
+              <a:t>www.expressjs.com.cn</a:t>
+            </a:r>
+            <a:endParaRPr lang="zh-CN" altLang="en-US" dirty="0">
+              <a:latin typeface="微软雅黑" panose="020B0503020204020204" pitchFamily="34" charset="-122"/>
+              <a:ea typeface="微软雅黑" panose="020B0503020204020204" pitchFamily="34" charset="-122"/>
+            </a:endParaRPr>
+          </a:p>
+        </p:txBody>
+      </p:sp>
+      <p:sp>
+        <p:nvSpPr>
+          <p:cNvPr id="8" name="文本框 7"/>
+          <p:cNvSpPr txBox="1"/>
+          <p:nvPr/>
+        </p:nvSpPr>
+        <p:spPr>
+          <a:xfrm>
+            <a:off x="6335113" y="2162218"/>
+            <a:ext cx="2938284" cy="1754326"/>
+          </a:xfrm>
+          <a:prstGeom prst="rect">
+            <a:avLst/>
+          </a:prstGeom>
+          <a:noFill/>
+        </p:spPr>
+        <p:txBody>
+          <a:bodyPr wrap="square" rtlCol="0">
+            <a:spAutoFit/>
+          </a:bodyPr>
+          <a:lstStyle/>
+          <a:p>
+            <a:pPr marL="285750" indent="-285750">
+              <a:buFont typeface="Arial" panose="020B0604020202020204" pitchFamily="34" charset="0"/>
+              <a:buChar char="•"/>
+            </a:pPr>
+            <a:r>
+              <a:rPr lang="zh-CN" altLang="en-US" dirty="0" smtClean="0">
+                <a:latin typeface="微软雅黑" panose="020B0503020204020204" pitchFamily="34" charset="-122"/>
+                <a:ea typeface="微软雅黑" panose="020B0503020204020204" pitchFamily="34" charset="-122"/>
+              </a:rPr>
+              <a:t>路由</a:t>
+            </a:r>
+            <a:endParaRPr lang="en-US" altLang="zh-CN" dirty="0" smtClean="0">
+              <a:latin typeface="微软雅黑" panose="020B0503020204020204" pitchFamily="34" charset="-122"/>
+              <a:ea typeface="微软雅黑" panose="020B0503020204020204" pitchFamily="34" charset="-122"/>
+            </a:endParaRPr>
+          </a:p>
+          <a:p>
+            <a:pPr marL="285750" indent="-285750">
+              <a:buFont typeface="Arial" panose="020B0604020202020204" pitchFamily="34" charset="0"/>
+              <a:buChar char="•"/>
+            </a:pPr>
+            <a:r>
+              <a:rPr lang="zh-CN" altLang="en-US" dirty="0" smtClean="0">
+                <a:latin typeface="微软雅黑" panose="020B0503020204020204" pitchFamily="34" charset="-122"/>
+                <a:ea typeface="微软雅黑" panose="020B0503020204020204" pitchFamily="34" charset="-122"/>
+              </a:rPr>
+              <a:t>中间件</a:t>
+            </a:r>
+            <a:endParaRPr lang="en-US" altLang="zh-CN" dirty="0" smtClean="0">
+              <a:latin typeface="微软雅黑" panose="020B0503020204020204" pitchFamily="34" charset="-122"/>
+              <a:ea typeface="微软雅黑" panose="020B0503020204020204" pitchFamily="34" charset="-122"/>
+            </a:endParaRPr>
+          </a:p>
+          <a:p>
+            <a:pPr marL="285750" indent="-285750">
+              <a:buFont typeface="Arial" panose="020B0604020202020204" pitchFamily="34" charset="0"/>
+              <a:buChar char="•"/>
+            </a:pPr>
+            <a:r>
+              <a:rPr lang="zh-CN" altLang="en-US" dirty="0" smtClean="0">
+                <a:latin typeface="微软雅黑" panose="020B0503020204020204" pitchFamily="34" charset="-122"/>
+                <a:ea typeface="微软雅黑" panose="020B0503020204020204" pitchFamily="34" charset="-122"/>
+              </a:rPr>
+              <a:t>模板引擎</a:t>
+            </a:r>
+            <a:endParaRPr lang="en-US" altLang="zh-CN" dirty="0" smtClean="0">
+              <a:latin typeface="微软雅黑" panose="020B0503020204020204" pitchFamily="34" charset="-122"/>
+              <a:ea typeface="微软雅黑" panose="020B0503020204020204" pitchFamily="34" charset="-122"/>
+            </a:endParaRPr>
+          </a:p>
+          <a:p>
+            <a:pPr marL="285750" indent="-285750">
+              <a:buFont typeface="Arial" panose="020B0604020202020204" pitchFamily="34" charset="0"/>
+              <a:buChar char="•"/>
+            </a:pPr>
+            <a:r>
+              <a:rPr lang="zh-CN" altLang="en-US" dirty="0" smtClean="0">
+                <a:latin typeface="微软雅黑" panose="020B0503020204020204" pitchFamily="34" charset="-122"/>
+                <a:ea typeface="微软雅黑" panose="020B0503020204020204" pitchFamily="34" charset="-122"/>
+              </a:rPr>
+              <a:t>错误处理</a:t>
+            </a:r>
+            <a:endParaRPr lang="en-US" altLang="zh-CN" dirty="0" smtClean="0">
+              <a:latin typeface="微软雅黑" panose="020B0503020204020204" pitchFamily="34" charset="-122"/>
+              <a:ea typeface="微软雅黑" panose="020B0503020204020204" pitchFamily="34" charset="-122"/>
+            </a:endParaRPr>
+          </a:p>
+          <a:p>
+            <a:pPr marL="285750" indent="-285750">
+              <a:buFont typeface="Arial" panose="020B0604020202020204" pitchFamily="34" charset="0"/>
+              <a:buChar char="•"/>
+            </a:pPr>
+            <a:r>
+              <a:rPr lang="zh-CN" altLang="en-US" dirty="0" smtClean="0">
+                <a:latin typeface="微软雅黑" panose="020B0503020204020204" pitchFamily="34" charset="-122"/>
+                <a:ea typeface="微软雅黑" panose="020B0503020204020204" pitchFamily="34" charset="-122"/>
+              </a:rPr>
+              <a:t>调试</a:t>
+            </a:r>
+            <a:endParaRPr lang="en-US" altLang="zh-CN" dirty="0" smtClean="0">
+              <a:latin typeface="微软雅黑" panose="020B0503020204020204" pitchFamily="34" charset="-122"/>
+              <a:ea typeface="微软雅黑" panose="020B0503020204020204" pitchFamily="34" charset="-122"/>
+            </a:endParaRPr>
+          </a:p>
+          <a:p>
+            <a:pPr marL="285750" indent="-285750">
+              <a:buFont typeface="Arial" panose="020B0604020202020204" pitchFamily="34" charset="0"/>
+              <a:buChar char="•"/>
+            </a:pPr>
+            <a:r>
+              <a:rPr lang="zh-CN" altLang="en-US" dirty="0" smtClean="0">
+                <a:latin typeface="微软雅黑" panose="020B0503020204020204" pitchFamily="34" charset="-122"/>
+                <a:ea typeface="微软雅黑" panose="020B0503020204020204" pitchFamily="34" charset="-122"/>
+              </a:rPr>
+              <a:t>数据库集成</a:t>
+            </a:r>
+            <a:endParaRPr lang="zh-CN" altLang="en-US" dirty="0">
+              <a:latin typeface="微软雅黑" panose="020B0503020204020204" pitchFamily="34" charset="-122"/>
+              <a:ea typeface="微软雅黑" panose="020B0503020204020204" pitchFamily="34" charset="-122"/>
+            </a:endParaRPr>
+          </a:p>
+        </p:txBody>
+      </p:sp>
+    </p:spTree>
+    <p:extLst>
+      <p:ext uri="{BB962C8B-B14F-4D97-AF65-F5344CB8AC3E}">
+        <p14:creationId xmlns:p14="http://schemas.microsoft.com/office/powerpoint/2010/main" val="2258430912"/>
+      </p:ext>
+    </p:extLst>
+  </p:cSld>
+  <p:clrMapOvr>
+    <a:masterClrMapping/>
+  </p:clrMapOvr>
+</p:sld>
+</file>
+
+<file path=ppt/slides/slide11.xml><?xml version="1.0" encoding="utf-8"?>
+<p:sld xmlns:a="http://schemas.openxmlformats.org/drawingml/2006/main" xmlns:r="http://schemas.openxmlformats.org/officeDocument/2006/relationships" xmlns:p="http://schemas.openxmlformats.org/presentationml/2006/main">
+  <p:cSld>
+    <p:spTree>
+      <p:nvGrpSpPr>
+        <p:cNvPr id="1" name=""/>
+        <p:cNvGrpSpPr/>
+        <p:nvPr/>
+      </p:nvGrpSpPr>
+      <p:grpSpPr>
+        <a:xfrm>
+          <a:off x="0" y="0"/>
+          <a:ext cx="0" cy="0"/>
+          <a:chOff x="0" y="0"/>
+          <a:chExt cx="0" cy="0"/>
+        </a:xfrm>
+      </p:grpSpPr>
+      <p:sp>
+        <p:nvSpPr>
+          <p:cNvPr id="4" name="标题 1"/>
+          <p:cNvSpPr>
+            <a:spLocks noGrp="1"/>
+          </p:cNvSpPr>
+          <p:nvPr>
+            <p:ph type="title"/>
+          </p:nvPr>
+        </p:nvSpPr>
+        <p:spPr>
+          <a:xfrm>
+            <a:off x="2489977" y="348952"/>
+            <a:ext cx="7377923" cy="652792"/>
+          </a:xfrm>
+        </p:spPr>
+        <p:txBody>
+          <a:bodyPr/>
+          <a:lstStyle/>
+          <a:p>
+            <a:r>
+              <a:rPr lang="zh-CN" altLang="en-US" b="1" dirty="0" smtClean="0">
+                <a:solidFill>
+                  <a:srgbClr val="232323"/>
+                </a:solidFill>
+                <a:latin typeface="微软雅黑" panose="020B0503020204020204" pitchFamily="34" charset="-122"/>
+                <a:ea typeface="微软雅黑" panose="020B0503020204020204" pitchFamily="34" charset="-122"/>
+                <a:cs typeface="+mn-cs"/>
+              </a:rPr>
+              <a:t>自动化构建工具</a:t>
+            </a:r>
+            <a:r>
+              <a:rPr lang="en-US" altLang="zh-CN" b="1" dirty="0" smtClean="0">
+                <a:solidFill>
+                  <a:srgbClr val="232323"/>
+                </a:solidFill>
+                <a:latin typeface="微软雅黑" panose="020B0503020204020204" pitchFamily="34" charset="-122"/>
+                <a:ea typeface="微软雅黑" panose="020B0503020204020204" pitchFamily="34" charset="-122"/>
+                <a:cs typeface="+mn-cs"/>
+              </a:rPr>
+              <a:t>--- </a:t>
+            </a:r>
+            <a:r>
+              <a:rPr lang="en-US" altLang="zh-CN" b="1" dirty="0" smtClean="0">
+                <a:solidFill>
+                  <a:srgbClr val="EB4A4B"/>
+                </a:solidFill>
+                <a:latin typeface="微软雅黑" panose="020B0503020204020204" pitchFamily="34" charset="-122"/>
+                <a:ea typeface="微软雅黑" panose="020B0503020204020204" pitchFamily="34" charset="-122"/>
+              </a:rPr>
+              <a:t>Gulp</a:t>
+            </a:r>
+            <a:endParaRPr lang="zh-CN" altLang="en-US" b="1" dirty="0">
+              <a:solidFill>
+                <a:srgbClr val="EB4A4B"/>
+              </a:solidFill>
+              <a:latin typeface="微软雅黑" panose="020B0503020204020204" pitchFamily="34" charset="-122"/>
+              <a:ea typeface="微软雅黑" panose="020B0503020204020204" pitchFamily="34" charset="-122"/>
+              <a:cs typeface="+mn-cs"/>
+            </a:endParaRPr>
+          </a:p>
+        </p:txBody>
+      </p:sp>
+      <p:pic>
+        <p:nvPicPr>
+          <p:cNvPr id="6" name="图片 5"/>
+          <p:cNvPicPr>
+            <a:picLocks noChangeAspect="1"/>
+          </p:cNvPicPr>
+          <p:nvPr/>
+        </p:nvPicPr>
+        <p:blipFill>
+          <a:blip r:embed="rId2">
+            <a:extLst>
+              <a:ext uri="{28A0092B-C50C-407E-A947-70E740481C1C}">
+                <a14:useLocalDpi xmlns:a14="http://schemas.microsoft.com/office/drawing/2010/main" val="0"/>
+              </a:ext>
+            </a:extLst>
+          </a:blip>
+          <a:stretch>
+            <a:fillRect/>
+          </a:stretch>
+        </p:blipFill>
+        <p:spPr>
+          <a:xfrm>
+            <a:off x="2152650" y="1590675"/>
+            <a:ext cx="2171700" cy="3562350"/>
+          </a:xfrm>
+          <a:prstGeom prst="rect">
+            <a:avLst/>
+          </a:prstGeom>
+        </p:spPr>
+      </p:pic>
+      <p:sp>
+        <p:nvSpPr>
+          <p:cNvPr id="7" name="文本框 6"/>
+          <p:cNvSpPr txBox="1"/>
+          <p:nvPr/>
+        </p:nvSpPr>
+        <p:spPr>
+          <a:xfrm>
+            <a:off x="6067425" y="1333500"/>
+            <a:ext cx="4012830" cy="4939814"/>
+          </a:xfrm>
+          <a:prstGeom prst="rect">
+            <a:avLst/>
+          </a:prstGeom>
+          <a:noFill/>
+        </p:spPr>
+        <p:txBody>
+          <a:bodyPr wrap="none" rtlCol="0">
+            <a:spAutoFit/>
+          </a:bodyPr>
+          <a:lstStyle/>
+          <a:p>
+            <a:pPr marL="285750" indent="-285750">
+              <a:lnSpc>
+                <a:spcPct val="150000"/>
+              </a:lnSpc>
+              <a:buFont typeface="Arial" panose="020B0604020202020204" pitchFamily="34" charset="0"/>
+              <a:buChar char="•"/>
+            </a:pPr>
+            <a:r>
+              <a:rPr lang="zh-CN" altLang="en-US" dirty="0" smtClean="0">
+                <a:latin typeface="微软雅黑" panose="020B0503020204020204" pitchFamily="34" charset="-122"/>
+                <a:ea typeface="微软雅黑" panose="020B0503020204020204" pitchFamily="34" charset="-122"/>
+              </a:rPr>
+              <a:t>编译</a:t>
+            </a:r>
+            <a:r>
+              <a:rPr lang="en-US" altLang="zh-CN" dirty="0" smtClean="0">
+                <a:latin typeface="微软雅黑" panose="020B0503020204020204" pitchFamily="34" charset="-122"/>
+                <a:ea typeface="微软雅黑" panose="020B0503020204020204" pitchFamily="34" charset="-122"/>
+              </a:rPr>
+              <a:t>Sass (gulp-ruby-sass)</a:t>
+            </a:r>
+          </a:p>
+          <a:p>
+            <a:pPr marL="285750" indent="-285750">
+              <a:lnSpc>
+                <a:spcPct val="150000"/>
+              </a:lnSpc>
+              <a:buFont typeface="Arial" panose="020B0604020202020204" pitchFamily="34" charset="0"/>
+              <a:buChar char="•"/>
+            </a:pPr>
+            <a:r>
+              <a:rPr lang="en-US" altLang="zh-CN" dirty="0" err="1" smtClean="0">
+                <a:latin typeface="微软雅黑" panose="020B0503020204020204" pitchFamily="34" charset="-122"/>
+                <a:ea typeface="微软雅黑" panose="020B0503020204020204" pitchFamily="34" charset="-122"/>
+              </a:rPr>
+              <a:t>Autoprefixer</a:t>
+            </a:r>
+            <a:r>
+              <a:rPr lang="en-US" altLang="zh-CN" dirty="0" smtClean="0">
+                <a:latin typeface="微软雅黑" panose="020B0503020204020204" pitchFamily="34" charset="-122"/>
+                <a:ea typeface="微软雅黑" panose="020B0503020204020204" pitchFamily="34" charset="-122"/>
+              </a:rPr>
+              <a:t> (gulp-</a:t>
+            </a:r>
+            <a:r>
+              <a:rPr lang="en-US" altLang="zh-CN" dirty="0" err="1" smtClean="0">
+                <a:latin typeface="微软雅黑" panose="020B0503020204020204" pitchFamily="34" charset="-122"/>
+                <a:ea typeface="微软雅黑" panose="020B0503020204020204" pitchFamily="34" charset="-122"/>
+              </a:rPr>
+              <a:t>autoprefixer</a:t>
+            </a:r>
+            <a:r>
+              <a:rPr lang="en-US" altLang="zh-CN" dirty="0" smtClean="0">
+                <a:latin typeface="微软雅黑" panose="020B0503020204020204" pitchFamily="34" charset="-122"/>
+                <a:ea typeface="微软雅黑" panose="020B0503020204020204" pitchFamily="34" charset="-122"/>
+              </a:rPr>
+              <a:t>)</a:t>
+            </a:r>
+          </a:p>
+          <a:p>
+            <a:pPr marL="285750" indent="-285750">
+              <a:lnSpc>
+                <a:spcPct val="150000"/>
+              </a:lnSpc>
+              <a:buFont typeface="Arial" panose="020B0604020202020204" pitchFamily="34" charset="0"/>
+              <a:buChar char="•"/>
+            </a:pPr>
+            <a:r>
+              <a:rPr lang="zh-CN" altLang="en-US" dirty="0" smtClean="0">
+                <a:latin typeface="微软雅黑" panose="020B0503020204020204" pitchFamily="34" charset="-122"/>
+                <a:ea typeface="微软雅黑" panose="020B0503020204020204" pitchFamily="34" charset="-122"/>
+              </a:rPr>
+              <a:t>压缩</a:t>
+            </a:r>
+            <a:r>
+              <a:rPr lang="en-US" altLang="zh-CN" dirty="0" smtClean="0">
+                <a:latin typeface="微软雅黑" panose="020B0503020204020204" pitchFamily="34" charset="-122"/>
+                <a:ea typeface="微软雅黑" panose="020B0503020204020204" pitchFamily="34" charset="-122"/>
+              </a:rPr>
+              <a:t>CSS (gulp-minify-</a:t>
+            </a:r>
+            <a:r>
+              <a:rPr lang="en-US" altLang="zh-CN" dirty="0" err="1" smtClean="0">
+                <a:latin typeface="微软雅黑" panose="020B0503020204020204" pitchFamily="34" charset="-122"/>
+                <a:ea typeface="微软雅黑" panose="020B0503020204020204" pitchFamily="34" charset="-122"/>
+              </a:rPr>
+              <a:t>css</a:t>
+            </a:r>
+            <a:r>
+              <a:rPr lang="en-US" altLang="zh-CN" dirty="0" smtClean="0">
+                <a:latin typeface="微软雅黑" panose="020B0503020204020204" pitchFamily="34" charset="-122"/>
+                <a:ea typeface="微软雅黑" panose="020B0503020204020204" pitchFamily="34" charset="-122"/>
+              </a:rPr>
+              <a:t>)</a:t>
+            </a:r>
+          </a:p>
+          <a:p>
+            <a:pPr marL="285750" indent="-285750">
+              <a:lnSpc>
+                <a:spcPct val="150000"/>
+              </a:lnSpc>
+              <a:buFont typeface="Arial" panose="020B0604020202020204" pitchFamily="34" charset="0"/>
+              <a:buChar char="•"/>
+            </a:pPr>
+            <a:r>
+              <a:rPr lang="en-US" altLang="zh-CN" dirty="0" err="1" smtClean="0">
+                <a:latin typeface="微软雅黑" panose="020B0503020204020204" pitchFamily="34" charset="-122"/>
+                <a:ea typeface="微软雅黑" panose="020B0503020204020204" pitchFamily="34" charset="-122"/>
+              </a:rPr>
+              <a:t>JSHint</a:t>
+            </a:r>
+            <a:r>
+              <a:rPr lang="en-US" altLang="zh-CN" dirty="0" smtClean="0">
+                <a:latin typeface="微软雅黑" panose="020B0503020204020204" pitchFamily="34" charset="-122"/>
+                <a:ea typeface="微软雅黑" panose="020B0503020204020204" pitchFamily="34" charset="-122"/>
+              </a:rPr>
+              <a:t> (gulp-</a:t>
+            </a:r>
+            <a:r>
+              <a:rPr lang="en-US" altLang="zh-CN" dirty="0" err="1" smtClean="0">
+                <a:latin typeface="微软雅黑" panose="020B0503020204020204" pitchFamily="34" charset="-122"/>
+                <a:ea typeface="微软雅黑" panose="020B0503020204020204" pitchFamily="34" charset="-122"/>
+              </a:rPr>
+              <a:t>jshint</a:t>
+            </a:r>
+            <a:r>
+              <a:rPr lang="en-US" altLang="zh-CN" dirty="0" smtClean="0">
+                <a:latin typeface="微软雅黑" panose="020B0503020204020204" pitchFamily="34" charset="-122"/>
+                <a:ea typeface="微软雅黑" panose="020B0503020204020204" pitchFamily="34" charset="-122"/>
+              </a:rPr>
+              <a:t>)</a:t>
+            </a:r>
+          </a:p>
+          <a:p>
+            <a:pPr marL="285750" indent="-285750">
+              <a:lnSpc>
+                <a:spcPct val="150000"/>
+              </a:lnSpc>
+              <a:buFont typeface="Arial" panose="020B0604020202020204" pitchFamily="34" charset="0"/>
+              <a:buChar char="•"/>
+            </a:pPr>
+            <a:r>
+              <a:rPr lang="zh-CN" altLang="en-US" dirty="0" smtClean="0">
+                <a:latin typeface="微软雅黑" panose="020B0503020204020204" pitchFamily="34" charset="-122"/>
+                <a:ea typeface="微软雅黑" panose="020B0503020204020204" pitchFamily="34" charset="-122"/>
+              </a:rPr>
+              <a:t>合并 </a:t>
+            </a:r>
+            <a:r>
+              <a:rPr lang="en-US" altLang="zh-CN" dirty="0" smtClean="0">
+                <a:latin typeface="微软雅黑" panose="020B0503020204020204" pitchFamily="34" charset="-122"/>
+                <a:ea typeface="微软雅黑" panose="020B0503020204020204" pitchFamily="34" charset="-122"/>
+              </a:rPr>
+              <a:t>(gulp-</a:t>
+            </a:r>
+            <a:r>
+              <a:rPr lang="en-US" altLang="zh-CN" dirty="0" err="1" smtClean="0">
+                <a:latin typeface="微软雅黑" panose="020B0503020204020204" pitchFamily="34" charset="-122"/>
+                <a:ea typeface="微软雅黑" panose="020B0503020204020204" pitchFamily="34" charset="-122"/>
+              </a:rPr>
+              <a:t>concat</a:t>
+            </a:r>
+            <a:r>
+              <a:rPr lang="en-US" altLang="zh-CN" dirty="0" smtClean="0">
+                <a:latin typeface="微软雅黑" panose="020B0503020204020204" pitchFamily="34" charset="-122"/>
+                <a:ea typeface="微软雅黑" panose="020B0503020204020204" pitchFamily="34" charset="-122"/>
+              </a:rPr>
+              <a:t>)</a:t>
+            </a:r>
+          </a:p>
+          <a:p>
+            <a:pPr marL="285750" indent="-285750">
+              <a:lnSpc>
+                <a:spcPct val="150000"/>
+              </a:lnSpc>
+              <a:buFont typeface="Arial" panose="020B0604020202020204" pitchFamily="34" charset="0"/>
+              <a:buChar char="•"/>
+            </a:pPr>
+            <a:r>
+              <a:rPr lang="zh-CN" altLang="en-US" dirty="0" smtClean="0">
+                <a:latin typeface="微软雅黑" panose="020B0503020204020204" pitchFamily="34" charset="-122"/>
+                <a:ea typeface="微软雅黑" panose="020B0503020204020204" pitchFamily="34" charset="-122"/>
+              </a:rPr>
+              <a:t>压缩</a:t>
+            </a:r>
+            <a:r>
+              <a:rPr lang="en-US" altLang="zh-CN" dirty="0" smtClean="0">
+                <a:latin typeface="微软雅黑" panose="020B0503020204020204" pitchFamily="34" charset="-122"/>
+                <a:ea typeface="微软雅黑" panose="020B0503020204020204" pitchFamily="34" charset="-122"/>
+              </a:rPr>
+              <a:t>JS (gulp-</a:t>
+            </a:r>
+            <a:r>
+              <a:rPr lang="en-US" altLang="zh-CN" dirty="0" err="1" smtClean="0">
+                <a:latin typeface="微软雅黑" panose="020B0503020204020204" pitchFamily="34" charset="-122"/>
+                <a:ea typeface="微软雅黑" panose="020B0503020204020204" pitchFamily="34" charset="-122"/>
+              </a:rPr>
+              <a:t>uglify</a:t>
+            </a:r>
+            <a:r>
+              <a:rPr lang="en-US" altLang="zh-CN" dirty="0" smtClean="0">
+                <a:latin typeface="微软雅黑" panose="020B0503020204020204" pitchFamily="34" charset="-122"/>
+                <a:ea typeface="微软雅黑" panose="020B0503020204020204" pitchFamily="34" charset="-122"/>
+              </a:rPr>
+              <a:t>)</a:t>
+            </a:r>
+          </a:p>
+          <a:p>
+            <a:pPr marL="285750" indent="-285750">
+              <a:lnSpc>
+                <a:spcPct val="150000"/>
+              </a:lnSpc>
+              <a:buFont typeface="Arial" panose="020B0604020202020204" pitchFamily="34" charset="0"/>
+              <a:buChar char="•"/>
+            </a:pPr>
+            <a:r>
+              <a:rPr lang="zh-CN" altLang="en-US" dirty="0" smtClean="0">
+                <a:latin typeface="微软雅黑" panose="020B0503020204020204" pitchFamily="34" charset="-122"/>
+                <a:ea typeface="微软雅黑" panose="020B0503020204020204" pitchFamily="34" charset="-122"/>
+              </a:rPr>
+              <a:t>压缩图片</a:t>
+            </a:r>
+            <a:r>
+              <a:rPr lang="en-US" altLang="zh-CN" dirty="0" smtClean="0">
+                <a:latin typeface="微软雅黑" panose="020B0503020204020204" pitchFamily="34" charset="-122"/>
+                <a:ea typeface="微软雅黑" panose="020B0503020204020204" pitchFamily="34" charset="-122"/>
+              </a:rPr>
+              <a:t>(gulp-</a:t>
+            </a:r>
+            <a:r>
+              <a:rPr lang="en-US" altLang="zh-CN" dirty="0" err="1" smtClean="0">
+                <a:latin typeface="微软雅黑" panose="020B0503020204020204" pitchFamily="34" charset="-122"/>
+                <a:ea typeface="微软雅黑" panose="020B0503020204020204" pitchFamily="34" charset="-122"/>
+              </a:rPr>
+              <a:t>imagemin</a:t>
+            </a:r>
+            <a:r>
+              <a:rPr lang="en-US" altLang="zh-CN" dirty="0" smtClean="0">
+                <a:latin typeface="微软雅黑" panose="020B0503020204020204" pitchFamily="34" charset="-122"/>
+                <a:ea typeface="微软雅黑" panose="020B0503020204020204" pitchFamily="34" charset="-122"/>
+              </a:rPr>
+              <a:t>)</a:t>
+            </a:r>
+          </a:p>
+          <a:p>
+            <a:pPr marL="285750" indent="-285750">
+              <a:lnSpc>
+                <a:spcPct val="150000"/>
+              </a:lnSpc>
+              <a:buFont typeface="Arial" panose="020B0604020202020204" pitchFamily="34" charset="0"/>
+              <a:buChar char="•"/>
+            </a:pPr>
+            <a:r>
+              <a:rPr lang="zh-CN" altLang="en-US" dirty="0" smtClean="0">
+                <a:latin typeface="微软雅黑" panose="020B0503020204020204" pitchFamily="34" charset="-122"/>
+                <a:ea typeface="微软雅黑" panose="020B0503020204020204" pitchFamily="34" charset="-122"/>
+              </a:rPr>
+              <a:t>即时重启</a:t>
+            </a:r>
+            <a:r>
+              <a:rPr lang="en-US" altLang="zh-CN" dirty="0" smtClean="0">
+                <a:latin typeface="微软雅黑" panose="020B0503020204020204" pitchFamily="34" charset="-122"/>
+                <a:ea typeface="微软雅黑" panose="020B0503020204020204" pitchFamily="34" charset="-122"/>
+              </a:rPr>
+              <a:t> (gulp-</a:t>
+            </a:r>
+            <a:r>
+              <a:rPr lang="en-US" altLang="zh-CN" dirty="0" err="1" smtClean="0">
+                <a:latin typeface="微软雅黑" panose="020B0503020204020204" pitchFamily="34" charset="-122"/>
+                <a:ea typeface="微软雅黑" panose="020B0503020204020204" pitchFamily="34" charset="-122"/>
+              </a:rPr>
+              <a:t>livereload</a:t>
+            </a:r>
+            <a:r>
+              <a:rPr lang="en-US" altLang="zh-CN" dirty="0" smtClean="0">
+                <a:latin typeface="微软雅黑" panose="020B0503020204020204" pitchFamily="34" charset="-122"/>
+                <a:ea typeface="微软雅黑" panose="020B0503020204020204" pitchFamily="34" charset="-122"/>
+              </a:rPr>
+              <a:t>)</a:t>
+            </a:r>
+          </a:p>
+          <a:p>
+            <a:pPr marL="285750" indent="-285750">
+              <a:lnSpc>
+                <a:spcPct val="150000"/>
+              </a:lnSpc>
+              <a:buFont typeface="Arial" panose="020B0604020202020204" pitchFamily="34" charset="0"/>
+              <a:buChar char="•"/>
+            </a:pPr>
+            <a:r>
+              <a:rPr lang="zh-CN" altLang="en-US" dirty="0" smtClean="0">
+                <a:latin typeface="微软雅黑" panose="020B0503020204020204" pitchFamily="34" charset="-122"/>
+                <a:ea typeface="微软雅黑" panose="020B0503020204020204" pitchFamily="34" charset="-122"/>
+              </a:rPr>
+              <a:t>清除目录 </a:t>
+            </a:r>
+            <a:r>
+              <a:rPr lang="en-US" altLang="zh-CN" dirty="0" smtClean="0">
+                <a:latin typeface="微软雅黑" panose="020B0503020204020204" pitchFamily="34" charset="-122"/>
+                <a:ea typeface="微软雅黑" panose="020B0503020204020204" pitchFamily="34" charset="-122"/>
+              </a:rPr>
+              <a:t>(gulp-clean)</a:t>
+            </a:r>
+          </a:p>
+          <a:p>
+            <a:pPr marL="285750" indent="-285750">
+              <a:lnSpc>
+                <a:spcPct val="150000"/>
+              </a:lnSpc>
+              <a:buFont typeface="Arial" panose="020B0604020202020204" pitchFamily="34" charset="0"/>
+              <a:buChar char="•"/>
+            </a:pPr>
+            <a:r>
+              <a:rPr lang="zh-CN" altLang="en-US" dirty="0" smtClean="0">
+                <a:latin typeface="微软雅黑" panose="020B0503020204020204" pitchFamily="34" charset="-122"/>
+                <a:ea typeface="微软雅黑" panose="020B0503020204020204" pitchFamily="34" charset="-122"/>
+              </a:rPr>
+              <a:t>图片缓存</a:t>
+            </a:r>
+            <a:r>
+              <a:rPr lang="en-US" altLang="zh-CN" dirty="0" smtClean="0">
+                <a:latin typeface="微软雅黑" panose="020B0503020204020204" pitchFamily="34" charset="-122"/>
+                <a:ea typeface="微软雅黑" panose="020B0503020204020204" pitchFamily="34" charset="-122"/>
+              </a:rPr>
+              <a:t>(gulp-cache)</a:t>
+            </a:r>
+          </a:p>
+          <a:p>
+            <a:pPr marL="285750" indent="-285750">
+              <a:lnSpc>
+                <a:spcPct val="150000"/>
+              </a:lnSpc>
+              <a:buFont typeface="Arial" panose="020B0604020202020204" pitchFamily="34" charset="0"/>
+              <a:buChar char="•"/>
+            </a:pPr>
+            <a:r>
+              <a:rPr lang="zh-CN" altLang="en-US" dirty="0" smtClean="0">
+                <a:latin typeface="微软雅黑" panose="020B0503020204020204" pitchFamily="34" charset="-122"/>
+                <a:ea typeface="微软雅黑" panose="020B0503020204020204" pitchFamily="34" charset="-122"/>
+              </a:rPr>
+              <a:t>更动通知 </a:t>
+            </a:r>
+            <a:r>
+              <a:rPr lang="en-US" altLang="zh-CN" dirty="0" smtClean="0">
+                <a:latin typeface="微软雅黑" panose="020B0503020204020204" pitchFamily="34" charset="-122"/>
+                <a:ea typeface="微软雅黑" panose="020B0503020204020204" pitchFamily="34" charset="-122"/>
+              </a:rPr>
+              <a:t>(gulp-notify)</a:t>
+            </a:r>
+          </a:p>
+          <a:p>
+            <a:endParaRPr lang="zh-CN" altLang="en-US" dirty="0"/>
+          </a:p>
+        </p:txBody>
+      </p:sp>
+      <p:sp>
+        <p:nvSpPr>
+          <p:cNvPr id="8" name="矩形 7"/>
+          <p:cNvSpPr/>
+          <p:nvPr/>
+        </p:nvSpPr>
+        <p:spPr>
+          <a:xfrm>
+            <a:off x="1348114" y="5418790"/>
+            <a:ext cx="4233536" cy="646331"/>
+          </a:xfrm>
+          <a:prstGeom prst="rect">
+            <a:avLst/>
+          </a:prstGeom>
+        </p:spPr>
+        <p:txBody>
+          <a:bodyPr wrap="square">
+            <a:spAutoFit/>
+          </a:bodyPr>
+          <a:lstStyle/>
+          <a:p>
+            <a:r>
+              <a:rPr lang="zh-CN" altLang="en-US" dirty="0" smtClean="0">
+                <a:latin typeface="微软雅黑" panose="020B0503020204020204" pitchFamily="34" charset="-122"/>
+                <a:ea typeface="微软雅黑" panose="020B0503020204020204" pitchFamily="34" charset="-122"/>
+              </a:rPr>
+              <a:t>英文官网</a:t>
+            </a:r>
+            <a:r>
+              <a:rPr lang="en-US" altLang="zh-CN" dirty="0" smtClean="0">
+                <a:latin typeface="微软雅黑" panose="020B0503020204020204" pitchFamily="34" charset="-122"/>
+                <a:ea typeface="微软雅黑" panose="020B0503020204020204" pitchFamily="34" charset="-122"/>
+              </a:rPr>
+              <a:t>: </a:t>
+            </a:r>
+            <a:r>
+              <a:rPr lang="zh-CN" altLang="en-US" dirty="0" smtClean="0">
+                <a:latin typeface="微软雅黑" panose="020B0503020204020204" pitchFamily="34" charset="-122"/>
+                <a:ea typeface="微软雅黑" panose="020B0503020204020204" pitchFamily="34" charset="-122"/>
+              </a:rPr>
+              <a:t>http://gulpjs.com</a:t>
+            </a:r>
+            <a:endParaRPr lang="en-US" altLang="zh-CN" dirty="0" smtClean="0">
+              <a:latin typeface="微软雅黑" panose="020B0503020204020204" pitchFamily="34" charset="-122"/>
+              <a:ea typeface="微软雅黑" panose="020B0503020204020204" pitchFamily="34" charset="-122"/>
+            </a:endParaRPr>
+          </a:p>
+          <a:p>
+            <a:r>
+              <a:rPr lang="zh-CN" altLang="en-US" dirty="0" smtClean="0">
+                <a:latin typeface="微软雅黑" panose="020B0503020204020204" pitchFamily="34" charset="-122"/>
+                <a:ea typeface="微软雅黑" panose="020B0503020204020204" pitchFamily="34" charset="-122"/>
+              </a:rPr>
+              <a:t>中文官网</a:t>
+            </a:r>
+            <a:r>
+              <a:rPr lang="en-US" altLang="zh-CN" dirty="0" smtClean="0">
+                <a:latin typeface="微软雅黑" panose="020B0503020204020204" pitchFamily="34" charset="-122"/>
+                <a:ea typeface="微软雅黑" panose="020B0503020204020204" pitchFamily="34" charset="-122"/>
+              </a:rPr>
+              <a:t>: http://www.gulpjs.com.cn</a:t>
+            </a:r>
+          </a:p>
+        </p:txBody>
+      </p:sp>
+    </p:spTree>
+    <p:extLst>
+      <p:ext uri="{BB962C8B-B14F-4D97-AF65-F5344CB8AC3E}">
+        <p14:creationId xmlns:p14="http://schemas.microsoft.com/office/powerpoint/2010/main" val="1167261701"/>
+      </p:ext>
+    </p:extLst>
+  </p:cSld>
+  <p:clrMapOvr>
+    <a:masterClrMapping/>
+  </p:clrMapOvr>
+  <p:timing>
+    <p:tnLst>
+      <p:par>
+        <p:cTn id="1" dur="indefinite" restart="never" nodeType="tmRoot"/>
+      </p:par>
+    </p:tnLst>
+  </p:timing>
+</p:sld>
+</file>
+
+<file path=ppt/slides/slide12.xml><?xml version="1.0" encoding="utf-8"?>
+<p:sld xmlns:a="http://schemas.openxmlformats.org/drawingml/2006/main" xmlns:r="http://schemas.openxmlformats.org/officeDocument/2006/relationships" xmlns:p="http://schemas.openxmlformats.org/presentationml/2006/main">
+  <p:cSld>
+    <p:spTree>
+      <p:nvGrpSpPr>
+        <p:cNvPr id="1" name=""/>
+        <p:cNvGrpSpPr/>
+        <p:nvPr/>
+      </p:nvGrpSpPr>
+      <p:grpSpPr>
+        <a:xfrm>
+          <a:off x="0" y="0"/>
+          <a:ext cx="0" cy="0"/>
+          <a:chOff x="0" y="0"/>
+          <a:chExt cx="0" cy="0"/>
+        </a:xfrm>
+      </p:grpSpPr>
+      <p:sp>
+        <p:nvSpPr>
+          <p:cNvPr id="4" name="标题 1"/>
+          <p:cNvSpPr>
+            <a:spLocks noGrp="1"/>
+          </p:cNvSpPr>
+          <p:nvPr>
+            <p:ph type="title"/>
+          </p:nvPr>
+        </p:nvSpPr>
+        <p:spPr>
+          <a:xfrm>
+            <a:off x="1396538" y="344780"/>
+            <a:ext cx="9103129" cy="652792"/>
+          </a:xfrm>
+        </p:spPr>
+        <p:txBody>
+          <a:bodyPr/>
+          <a:lstStyle/>
+          <a:p>
+            <a:r>
+              <a:rPr lang="zh-CN" altLang="en-US" b="1" dirty="0" smtClean="0">
+                <a:solidFill>
+                  <a:srgbClr val="42BEAE"/>
+                </a:solidFill>
+                <a:latin typeface="微软雅黑" panose="020B0503020204020204" pitchFamily="34" charset="-122"/>
+                <a:ea typeface="微软雅黑" panose="020B0503020204020204" pitchFamily="34" charset="-122"/>
+                <a:cs typeface="+mn-cs"/>
+              </a:rPr>
+              <a:t>单元测试工具</a:t>
+            </a:r>
+            <a:r>
+              <a:rPr lang="en-US" altLang="zh-CN" b="1" dirty="0" smtClean="0">
+                <a:solidFill>
+                  <a:srgbClr val="42BEAE"/>
+                </a:solidFill>
+                <a:latin typeface="微软雅黑" panose="020B0503020204020204" pitchFamily="34" charset="-122"/>
+                <a:ea typeface="微软雅黑" panose="020B0503020204020204" pitchFamily="34" charset="-122"/>
+                <a:cs typeface="+mn-cs"/>
+              </a:rPr>
+              <a:t>---</a:t>
+            </a:r>
+            <a:r>
+              <a:rPr lang="en-US" altLang="zh-CN" b="1" dirty="0" err="1" smtClean="0">
+                <a:solidFill>
+                  <a:srgbClr val="8A4182"/>
+                </a:solidFill>
+                <a:latin typeface="微软雅黑" panose="020B0503020204020204" pitchFamily="34" charset="-122"/>
+                <a:ea typeface="微软雅黑" panose="020B0503020204020204" pitchFamily="34" charset="-122"/>
+                <a:cs typeface="+mn-cs"/>
+              </a:rPr>
+              <a:t>karma&amp;Jasmine</a:t>
+            </a:r>
+            <a:endParaRPr lang="zh-CN" altLang="en-US" b="1" dirty="0">
+              <a:solidFill>
+                <a:srgbClr val="8A4182"/>
+              </a:solidFill>
+              <a:latin typeface="微软雅黑" panose="020B0503020204020204" pitchFamily="34" charset="-122"/>
+              <a:ea typeface="微软雅黑" panose="020B0503020204020204" pitchFamily="34" charset="-122"/>
+              <a:cs typeface="+mn-cs"/>
+            </a:endParaRPr>
+          </a:p>
+        </p:txBody>
+      </p:sp>
+      <p:pic>
+        <p:nvPicPr>
+          <p:cNvPr id="5" name="图片 4"/>
+          <p:cNvPicPr>
+            <a:picLocks noChangeAspect="1"/>
+          </p:cNvPicPr>
+          <p:nvPr/>
+        </p:nvPicPr>
+        <p:blipFill>
+          <a:blip r:embed="rId2">
+            <a:extLst>
+              <a:ext uri="{28A0092B-C50C-407E-A947-70E740481C1C}">
+                <a14:useLocalDpi xmlns:a14="http://schemas.microsoft.com/office/drawing/2010/main" val="0"/>
+              </a:ext>
+            </a:extLst>
+          </a:blip>
+          <a:stretch>
+            <a:fillRect/>
+          </a:stretch>
+        </p:blipFill>
+        <p:spPr>
+          <a:xfrm>
             <a:off x="963440" y="1760016"/>
             <a:ext cx="2743200" cy="638175"/>
           </a:xfrm>
@@ -7594,7 +8150,7 @@
 </p:sld>
 </file>
 
-<file path=ppt/slides/slide11.xml><?xml version="1.0" encoding="utf-8"?>
+<file path=ppt/slides/slide13.xml><?xml version="1.0" encoding="utf-8"?>
 <p:sld xmlns:a="http://schemas.openxmlformats.org/drawingml/2006/main" xmlns:r="http://schemas.openxmlformats.org/officeDocument/2006/relationships" xmlns:p="http://schemas.openxmlformats.org/presentationml/2006/main">
   <p:cSld>
     <p:spTree>
@@ -8026,44 +8582,27 @@
                 <a:latin typeface="微软雅黑" panose="020B0503020204020204" pitchFamily="34" charset="-122"/>
                 <a:ea typeface="微软雅黑" panose="020B0503020204020204" pitchFamily="34" charset="-122"/>
               </a:rPr>
-              <a:t>第一部分：学习目标</a:t>
-            </a:r>
-            <a:endParaRPr lang="en-US" altLang="zh-CN" b="1" dirty="0" smtClean="0">
-              <a:solidFill>
-                <a:srgbClr val="D91E25"/>
-              </a:solidFill>
-              <a:latin typeface="微软雅黑" panose="020B0503020204020204" pitchFamily="34" charset="-122"/>
-              <a:ea typeface="微软雅黑" panose="020B0503020204020204" pitchFamily="34" charset="-122"/>
-            </a:endParaRPr>
-          </a:p>
-          <a:p>
-            <a:r>
-              <a:rPr lang="en-US" altLang="zh-CN" sz="2000" b="1" dirty="0" smtClean="0">
-                <a:latin typeface="微软雅黑" panose="020B0503020204020204" pitchFamily="34" charset="-122"/>
-                <a:ea typeface="微软雅黑" panose="020B0503020204020204" pitchFamily="34" charset="-122"/>
-              </a:rPr>
-              <a:t>1.1 </a:t>
-            </a:r>
-            <a:r>
-              <a:rPr lang="zh-CN" altLang="en-US" sz="2000" b="1" dirty="0" smtClean="0">
+              <a:t>第一部分</a:t>
+            </a:r>
+            <a:r>
+              <a:rPr lang="zh-CN" altLang="en-US" b="1" dirty="0">
+                <a:solidFill>
+                  <a:srgbClr val="D91E25"/>
+                </a:solidFill>
+                <a:latin typeface="微软雅黑" panose="020B0503020204020204" pitchFamily="34" charset="-122"/>
+                <a:ea typeface="微软雅黑" panose="020B0503020204020204" pitchFamily="34" charset="-122"/>
+              </a:rPr>
+              <a:t>：</a:t>
+            </a:r>
+            <a:r>
+              <a:rPr lang="zh-CN" altLang="en-US" b="1" dirty="0" smtClean="0">
+                <a:solidFill>
+                  <a:srgbClr val="D91E25"/>
+                </a:solidFill>
                 <a:latin typeface="微软雅黑" panose="020B0503020204020204" pitchFamily="34" charset="-122"/>
                 <a:ea typeface="微软雅黑" panose="020B0503020204020204" pitchFamily="34" charset="-122"/>
               </a:rPr>
               <a:t>需求分析</a:t>
-            </a:r>
-            <a:r>
-              <a:rPr lang="en-US" altLang="zh-CN" sz="2000" b="1" dirty="0" smtClean="0">
-                <a:latin typeface="微软雅黑" panose="020B0503020204020204" pitchFamily="34" charset="-122"/>
-                <a:ea typeface="微软雅黑" panose="020B0503020204020204" pitchFamily="34" charset="-122"/>
-              </a:rPr>
-              <a:t>; 1.2</a:t>
-            </a:r>
-            <a:r>
-              <a:rPr lang="zh-CN" altLang="en-US" sz="2000" b="1" dirty="0" smtClean="0">
-                <a:latin typeface="微软雅黑" panose="020B0503020204020204" pitchFamily="34" charset="-122"/>
-                <a:ea typeface="微软雅黑" panose="020B0503020204020204" pitchFamily="34" charset="-122"/>
-              </a:rPr>
-              <a:t>绘制原型</a:t>
             </a:r>
             <a:endParaRPr lang="en-US" altLang="zh-CN" sz="2000" b="1" dirty="0" smtClean="0">
               <a:latin typeface="微软雅黑" panose="020B0503020204020204" pitchFamily="34" charset="-122"/>
@@ -8072,6 +8611,16 @@
           </a:p>
           <a:p>
             <a:r>
+              <a:rPr lang="zh-CN" altLang="en-US" b="1" dirty="0" smtClean="0">
+                <a:solidFill>
+                  <a:srgbClr val="D91E25"/>
+                </a:solidFill>
+                <a:latin typeface="微软雅黑" panose="020B0503020204020204" pitchFamily="34" charset="-122"/>
+                <a:ea typeface="微软雅黑" panose="020B0503020204020204" pitchFamily="34" charset="-122"/>
+              </a:rPr>
+              <a:t>第二</a:t>
+            </a:r>
+            <a:r>
               <a:rPr lang="zh-CN" altLang="en-US" b="1" dirty="0">
                 <a:solidFill>
                   <a:srgbClr val="D91E25"/>
@@ -8079,7 +8628,7 @@
                 <a:latin typeface="微软雅黑" panose="020B0503020204020204" pitchFamily="34" charset="-122"/>
                 <a:ea typeface="微软雅黑" panose="020B0503020204020204" pitchFamily="34" charset="-122"/>
               </a:rPr>
-              <a:t>第二部分：技术选型</a:t>
+              <a:t>部分：技术选型</a:t>
             </a:r>
             <a:endParaRPr lang="en-US" altLang="zh-CN" b="1" dirty="0">
               <a:solidFill>
@@ -8614,14 +9163,7 @@
                 <a:latin typeface="微软雅黑" panose="020B0503020204020204" pitchFamily="34" charset="-122"/>
                 <a:ea typeface="微软雅黑" panose="020B0503020204020204" pitchFamily="34" charset="-122"/>
               </a:rPr>
-              <a:t>用户</a:t>
-            </a:r>
-            <a:r>
-              <a:rPr lang="zh-CN" altLang="en-US" sz="2000" b="1" dirty="0" smtClean="0">
-                <a:latin typeface="微软雅黑" panose="020B0503020204020204" pitchFamily="34" charset="-122"/>
-                <a:ea typeface="微软雅黑" panose="020B0503020204020204" pitchFamily="34" charset="-122"/>
-              </a:rPr>
-              <a:t>登录</a:t>
+              <a:t>用户登录</a:t>
             </a:r>
             <a:endParaRPr lang="en-US" altLang="zh-CN" sz="2000" b="1" dirty="0" smtClean="0">
               <a:latin typeface="微软雅黑" panose="020B0503020204020204" pitchFamily="34" charset="-122"/>
@@ -8748,7 +9290,34 @@
                 <a:latin typeface="微软雅黑" panose="020B0503020204020204" pitchFamily="34" charset="-122"/>
                 <a:ea typeface="微软雅黑" panose="020B0503020204020204" pitchFamily="34" charset="-122"/>
               </a:rPr>
-              <a:t>商品管理</a:t>
+              <a:t>商品</a:t>
+            </a:r>
+            <a:r>
+              <a:rPr lang="zh-CN" altLang="en-US" sz="2000" b="1" dirty="0" smtClean="0">
+                <a:latin typeface="微软雅黑" panose="020B0503020204020204" pitchFamily="34" charset="-122"/>
+                <a:ea typeface="微软雅黑" panose="020B0503020204020204" pitchFamily="34" charset="-122"/>
+              </a:rPr>
+              <a:t>管理</a:t>
+            </a:r>
+            <a:endParaRPr lang="en-US" altLang="zh-CN" sz="2000" b="1" dirty="0" smtClean="0">
+              <a:latin typeface="微软雅黑" panose="020B0503020204020204" pitchFamily="34" charset="-122"/>
+              <a:ea typeface="微软雅黑" panose="020B0503020204020204" pitchFamily="34" charset="-122"/>
+            </a:endParaRPr>
+          </a:p>
+          <a:p>
+            <a:r>
+              <a:rPr lang="en-US" altLang="zh-CN" sz="2000" b="1" dirty="0" smtClean="0">
+                <a:latin typeface="微软雅黑" panose="020B0503020204020204" pitchFamily="34" charset="-122"/>
+                <a:ea typeface="微软雅黑" panose="020B0503020204020204" pitchFamily="34" charset="-122"/>
+              </a:rPr>
+              <a:t>1.3 </a:t>
+            </a:r>
+            <a:r>
+              <a:rPr lang="zh-CN" altLang="en-US" sz="2000" b="1" smtClean="0">
+                <a:latin typeface="微软雅黑" panose="020B0503020204020204" pitchFamily="34" charset="-122"/>
+                <a:ea typeface="微软雅黑" panose="020B0503020204020204" pitchFamily="34" charset="-122"/>
+              </a:rPr>
+              <a:t>权限控制</a:t>
             </a:r>
             <a:endParaRPr lang="en-US" altLang="zh-CN" sz="2000" b="1" dirty="0">
               <a:latin typeface="微软雅黑" panose="020B0503020204020204" pitchFamily="34" charset="-122"/>
@@ -9135,14 +9704,7 @@
                 <a:latin typeface="微软雅黑" panose="020B0503020204020204" pitchFamily="34" charset="-122"/>
                 <a:ea typeface="微软雅黑" panose="020B0503020204020204" pitchFamily="34" charset="-122"/>
               </a:rPr>
-              <a:t>检测</a:t>
-            </a:r>
-            <a:r>
-              <a:rPr lang="zh-CN" altLang="en-US" sz="2400" dirty="0" smtClean="0">
-                <a:latin typeface="微软雅黑" panose="020B0503020204020204" pitchFamily="34" charset="-122"/>
-                <a:ea typeface="微软雅黑" panose="020B0503020204020204" pitchFamily="34" charset="-122"/>
-              </a:rPr>
-              <a:t>组件之间的依赖</a:t>
+              <a:t>检测组件之间的依赖</a:t>
             </a:r>
             <a:endParaRPr lang="en-US" altLang="zh-CN" sz="2400" dirty="0" smtClean="0">
               <a:latin typeface="微软雅黑" panose="020B0503020204020204" pitchFamily="34" charset="-122"/>
@@ -9481,8 +10043,8 @@
         </p:nvSpPr>
         <p:spPr>
           <a:xfrm>
-            <a:off x="3404378" y="453727"/>
-            <a:ext cx="5463397" cy="652792"/>
+            <a:off x="1266825" y="348952"/>
+            <a:ext cx="9667875" cy="652792"/>
           </a:xfrm>
         </p:spPr>
         <p:txBody>
@@ -9492,39 +10054,39 @@
             <a:r>
               <a:rPr lang="zh-CN" altLang="en-US" b="1" dirty="0" smtClean="0">
                 <a:solidFill>
-                  <a:srgbClr val="9CDAF1"/>
+                  <a:srgbClr val="000000"/>
                 </a:solidFill>
                 <a:latin typeface="微软雅黑" panose="020B0503020204020204" pitchFamily="34" charset="-122"/>
                 <a:ea typeface="微软雅黑" panose="020B0503020204020204" pitchFamily="34" charset="-122"/>
                 <a:cs typeface="+mn-cs"/>
               </a:rPr>
-              <a:t>版本管理工具 </a:t>
+              <a:t>简洁直观前端开发框架</a:t>
             </a:r>
             <a:r>
               <a:rPr lang="en-US" altLang="zh-CN" b="1" dirty="0" smtClean="0">
                 <a:solidFill>
-                  <a:srgbClr val="9CDAF1"/>
+                  <a:srgbClr val="000000"/>
                 </a:solidFill>
                 <a:latin typeface="微软雅黑" panose="020B0503020204020204" pitchFamily="34" charset="-122"/>
                 <a:ea typeface="微软雅黑" panose="020B0503020204020204" pitchFamily="34" charset="-122"/>
                 <a:cs typeface="+mn-cs"/>
               </a:rPr>
-              <a:t>--- </a:t>
-            </a:r>
-            <a:r>
-              <a:rPr lang="en-US" altLang="zh-CN" b="1" dirty="0" smtClean="0">
+              <a:t>---</a:t>
+            </a:r>
+            <a:r>
+              <a:rPr lang="en-US" altLang="zh-CN" b="1" dirty="0" err="1" smtClean="0">
                 <a:solidFill>
-                  <a:srgbClr val="F05036"/>
+                  <a:srgbClr val="DD1B16"/>
                 </a:solidFill>
                 <a:latin typeface="微软雅黑" panose="020B0503020204020204" pitchFamily="34" charset="-122"/>
                 <a:ea typeface="微软雅黑" panose="020B0503020204020204" pitchFamily="34" charset="-122"/>
                 <a:cs typeface="+mn-cs"/>
               </a:rPr>
-              <a:t>git</a:t>
+              <a:t>AngularJS</a:t>
             </a:r>
             <a:endParaRPr lang="zh-CN" altLang="en-US" b="1" dirty="0">
               <a:solidFill>
-                <a:srgbClr val="F05036"/>
+                <a:srgbClr val="DD1B16"/>
               </a:solidFill>
               <a:latin typeface="微软雅黑" panose="020B0503020204020204" pitchFamily="34" charset="-122"/>
               <a:ea typeface="微软雅黑" panose="020B0503020204020204" pitchFamily="34" charset="-122"/>
@@ -9533,70 +10095,16 @@
           </a:p>
         </p:txBody>
       </p:sp>
-      <p:sp>
-        <p:nvSpPr>
-          <p:cNvPr id="8" name="文本框 7"/>
-          <p:cNvSpPr txBox="1"/>
-          <p:nvPr/>
-        </p:nvSpPr>
-        <p:spPr>
-          <a:xfrm>
-            <a:off x="4266013" y="3205933"/>
-            <a:ext cx="3486555" cy="369332"/>
-          </a:xfrm>
-          <a:prstGeom prst="rect">
-            <a:avLst/>
-          </a:prstGeom>
-          <a:noFill/>
-        </p:spPr>
-        <p:txBody>
-          <a:bodyPr wrap="square" rtlCol="0">
-            <a:spAutoFit/>
-          </a:bodyPr>
-          <a:lstStyle/>
-          <a:p>
-            <a:r>
-              <a:rPr lang="zh-CN" altLang="en-US" dirty="0">
-                <a:solidFill>
-                  <a:srgbClr val="018FB2"/>
-                </a:solidFill>
-                <a:latin typeface="微软雅黑" panose="020B0503020204020204" pitchFamily="34" charset="-122"/>
-                <a:ea typeface="微软雅黑" panose="020B0503020204020204" pitchFamily="34" charset="-122"/>
-                <a:hlinkClick r:id="rId2"/>
-              </a:rPr>
-              <a:t>安装官网</a:t>
-            </a:r>
-            <a:r>
-              <a:rPr lang="en-US" altLang="zh-CN" dirty="0">
-                <a:solidFill>
-                  <a:srgbClr val="018FB2"/>
-                </a:solidFill>
-                <a:latin typeface="微软雅黑" panose="020B0503020204020204" pitchFamily="34" charset="-122"/>
-                <a:ea typeface="微软雅黑" panose="020B0503020204020204" pitchFamily="34" charset="-122"/>
-                <a:hlinkClick r:id="rId2"/>
-              </a:rPr>
-              <a:t>: http://git-scm.com</a:t>
-            </a:r>
-            <a:endParaRPr lang="en-US" altLang="zh-CN" dirty="0">
-              <a:solidFill>
-                <a:srgbClr val="018FB2"/>
-              </a:solidFill>
-              <a:latin typeface="微软雅黑" panose="020B0503020204020204" pitchFamily="34" charset="-122"/>
-              <a:ea typeface="微软雅黑" panose="020B0503020204020204" pitchFamily="34" charset="-122"/>
-            </a:endParaRPr>
-          </a:p>
-        </p:txBody>
-      </p:sp>
       <p:pic>
         <p:nvPicPr>
-          <p:cNvPr id="9" name="图片 8"/>
+          <p:cNvPr id="5" name="图片 4"/>
           <p:cNvPicPr>
             <a:picLocks noChangeAspect="1"/>
           </p:cNvPicPr>
           <p:nvPr/>
         </p:nvPicPr>
         <p:blipFill>
-          <a:blip r:embed="rId3">
+          <a:blip r:embed="rId2">
             <a:extLst>
               <a:ext uri="{28A0092B-C50C-407E-A947-70E740481C1C}">
                 <a14:useLocalDpi xmlns:a14="http://schemas.microsoft.com/office/drawing/2010/main" val="0"/>
@@ -9609,54 +10117,172 @@
         </p:blipFill>
         <p:spPr>
           <a:xfrm>
-            <a:off x="3709783" y="1518051"/>
-            <a:ext cx="4333875" cy="1276350"/>
+            <a:off x="630109" y="2086580"/>
+            <a:ext cx="4863492" cy="1371429"/>
           </a:xfrm>
           <a:prstGeom prst="rect">
             <a:avLst/>
           </a:prstGeom>
         </p:spPr>
       </p:pic>
-      <p:pic>
-        <p:nvPicPr>
-          <p:cNvPr id="10" name="图片 9"/>
-          <p:cNvPicPr>
-            <a:picLocks noChangeAspect="1"/>
-          </p:cNvPicPr>
+      <p:sp>
+        <p:nvSpPr>
+          <p:cNvPr id="6" name="文本框 5"/>
+          <p:cNvSpPr txBox="1"/>
           <p:nvPr/>
-        </p:nvPicPr>
-        <p:blipFill>
-          <a:blip r:embed="rId4">
-            <a:extLst>
-              <a:ext uri="{28A0092B-C50C-407E-A947-70E740481C1C}">
-                <a14:useLocalDpi xmlns:a14="http://schemas.microsoft.com/office/drawing/2010/main" val="0"/>
-              </a:ext>
-            </a:extLst>
-          </a:blip>
-          <a:stretch>
-            <a:fillRect/>
-          </a:stretch>
-        </p:blipFill>
-        <p:spPr>
-          <a:xfrm>
-            <a:off x="0" y="4028717"/>
-            <a:ext cx="12192000" cy="1847016"/>
+        </p:nvSpPr>
+        <p:spPr>
+          <a:xfrm>
+            <a:off x="7225145" y="2086580"/>
+            <a:ext cx="2550698" cy="2031325"/>
           </a:xfrm>
           <a:prstGeom prst="rect">
             <a:avLst/>
           </a:prstGeom>
-        </p:spPr>
-      </p:pic>
+          <a:noFill/>
+        </p:spPr>
+        <p:txBody>
+          <a:bodyPr wrap="none" rtlCol="0">
+            <a:spAutoFit/>
+          </a:bodyPr>
+          <a:lstStyle/>
+          <a:p>
+            <a:pPr marL="285750" indent="-285750">
+              <a:buFont typeface="Arial" panose="020B0604020202020204" pitchFamily="34" charset="0"/>
+              <a:buChar char="•"/>
+            </a:pPr>
+            <a:r>
+              <a:rPr lang="en-US" altLang="zh-CN" dirty="0" smtClean="0">
+                <a:latin typeface="微软雅黑" panose="020B0503020204020204" pitchFamily="34" charset="-122"/>
+                <a:ea typeface="微软雅黑" panose="020B0503020204020204" pitchFamily="34" charset="-122"/>
+              </a:rPr>
+              <a:t>MVVM</a:t>
+            </a:r>
+          </a:p>
+          <a:p>
+            <a:pPr marL="285750" indent="-285750">
+              <a:buFont typeface="Arial" panose="020B0604020202020204" pitchFamily="34" charset="0"/>
+              <a:buChar char="•"/>
+            </a:pPr>
+            <a:r>
+              <a:rPr lang="zh-CN" altLang="en-US" dirty="0" smtClean="0">
+                <a:latin typeface="微软雅黑" panose="020B0503020204020204" pitchFamily="34" charset="-122"/>
+                <a:ea typeface="微软雅黑" panose="020B0503020204020204" pitchFamily="34" charset="-122"/>
+              </a:rPr>
+              <a:t>模块化</a:t>
+            </a:r>
+            <a:endParaRPr lang="en-US" altLang="zh-CN" dirty="0" smtClean="0">
+              <a:latin typeface="微软雅黑" panose="020B0503020204020204" pitchFamily="34" charset="-122"/>
+              <a:ea typeface="微软雅黑" panose="020B0503020204020204" pitchFamily="34" charset="-122"/>
+            </a:endParaRPr>
+          </a:p>
+          <a:p>
+            <a:pPr marL="285750" indent="-285750">
+              <a:buFont typeface="Arial" panose="020B0604020202020204" pitchFamily="34" charset="0"/>
+              <a:buChar char="•"/>
+            </a:pPr>
+            <a:r>
+              <a:rPr lang="zh-CN" altLang="en-US" dirty="0" smtClean="0">
+                <a:latin typeface="微软雅黑" panose="020B0503020204020204" pitchFamily="34" charset="-122"/>
+                <a:ea typeface="微软雅黑" panose="020B0503020204020204" pitchFamily="34" charset="-122"/>
+              </a:rPr>
+              <a:t>自动化</a:t>
+            </a:r>
+            <a:r>
+              <a:rPr lang="zh-CN" altLang="en-US" dirty="0">
+                <a:latin typeface="微软雅黑" panose="020B0503020204020204" pitchFamily="34" charset="-122"/>
+                <a:ea typeface="微软雅黑" panose="020B0503020204020204" pitchFamily="34" charset="-122"/>
+              </a:rPr>
+              <a:t>双向数据</a:t>
+            </a:r>
+            <a:r>
+              <a:rPr lang="zh-CN" altLang="en-US" dirty="0" smtClean="0">
+                <a:latin typeface="微软雅黑" panose="020B0503020204020204" pitchFamily="34" charset="-122"/>
+                <a:ea typeface="微软雅黑" panose="020B0503020204020204" pitchFamily="34" charset="-122"/>
+              </a:rPr>
+              <a:t>绑定</a:t>
+            </a:r>
+            <a:endParaRPr lang="en-US" altLang="zh-CN" dirty="0" smtClean="0">
+              <a:latin typeface="微软雅黑" panose="020B0503020204020204" pitchFamily="34" charset="-122"/>
+              <a:ea typeface="微软雅黑" panose="020B0503020204020204" pitchFamily="34" charset="-122"/>
+            </a:endParaRPr>
+          </a:p>
+          <a:p>
+            <a:pPr marL="285750" indent="-285750">
+              <a:buFont typeface="Arial" panose="020B0604020202020204" pitchFamily="34" charset="0"/>
+              <a:buChar char="•"/>
+            </a:pPr>
+            <a:r>
+              <a:rPr lang="zh-CN" altLang="en-US" dirty="0">
+                <a:latin typeface="微软雅黑" panose="020B0503020204020204" pitchFamily="34" charset="-122"/>
+                <a:ea typeface="微软雅黑" panose="020B0503020204020204" pitchFamily="34" charset="-122"/>
+              </a:rPr>
+              <a:t>指令</a:t>
+            </a:r>
+            <a:endParaRPr lang="en-US" altLang="zh-CN" dirty="0" smtClean="0">
+              <a:latin typeface="微软雅黑" panose="020B0503020204020204" pitchFamily="34" charset="-122"/>
+              <a:ea typeface="微软雅黑" panose="020B0503020204020204" pitchFamily="34" charset="-122"/>
+            </a:endParaRPr>
+          </a:p>
+          <a:p>
+            <a:pPr marL="285750" indent="-285750">
+              <a:buFont typeface="Arial" panose="020B0604020202020204" pitchFamily="34" charset="0"/>
+              <a:buChar char="•"/>
+            </a:pPr>
+            <a:r>
+              <a:rPr lang="zh-CN" altLang="en-US" dirty="0" smtClean="0">
+                <a:latin typeface="微软雅黑" panose="020B0503020204020204" pitchFamily="34" charset="-122"/>
+                <a:ea typeface="微软雅黑" panose="020B0503020204020204" pitchFamily="34" charset="-122"/>
+              </a:rPr>
+              <a:t>依赖注入</a:t>
+            </a:r>
+            <a:endParaRPr lang="en-US" altLang="zh-CN" dirty="0" smtClean="0">
+              <a:latin typeface="微软雅黑" panose="020B0503020204020204" pitchFamily="34" charset="-122"/>
+              <a:ea typeface="微软雅黑" panose="020B0503020204020204" pitchFamily="34" charset="-122"/>
+            </a:endParaRPr>
+          </a:p>
+          <a:p>
+            <a:pPr marL="285750" indent="-285750">
+              <a:buFont typeface="Arial" panose="020B0604020202020204" pitchFamily="34" charset="0"/>
+              <a:buChar char="•"/>
+            </a:pPr>
+            <a:r>
+              <a:rPr lang="zh-CN" altLang="en-US" dirty="0" smtClean="0">
+                <a:latin typeface="微软雅黑" panose="020B0503020204020204" pitchFamily="34" charset="-122"/>
+                <a:ea typeface="微软雅黑" panose="020B0503020204020204" pitchFamily="34" charset="-122"/>
+              </a:rPr>
+              <a:t>过滤器</a:t>
+            </a:r>
+            <a:endParaRPr lang="en-US" altLang="zh-CN" dirty="0" smtClean="0">
+              <a:latin typeface="微软雅黑" panose="020B0503020204020204" pitchFamily="34" charset="-122"/>
+              <a:ea typeface="微软雅黑" panose="020B0503020204020204" pitchFamily="34" charset="-122"/>
+            </a:endParaRPr>
+          </a:p>
+          <a:p>
+            <a:pPr marL="285750" indent="-285750">
+              <a:buFont typeface="Arial" panose="020B0604020202020204" pitchFamily="34" charset="0"/>
+              <a:buChar char="•"/>
+            </a:pPr>
+            <a:r>
+              <a:rPr lang="zh-CN" altLang="en-US" dirty="0">
+                <a:latin typeface="微软雅黑" panose="020B0503020204020204" pitchFamily="34" charset="-122"/>
+                <a:ea typeface="微软雅黑" panose="020B0503020204020204" pitchFamily="34" charset="-122"/>
+              </a:rPr>
+              <a:t>服务</a:t>
+            </a:r>
+          </a:p>
+        </p:txBody>
+      </p:sp>
       <p:sp>
         <p:nvSpPr>
-          <p:cNvPr id="11" name="矩形 10"/>
+          <p:cNvPr id="7" name="矩形 6"/>
           <p:cNvSpPr/>
           <p:nvPr/>
         </p:nvSpPr>
         <p:spPr>
           <a:xfrm>
-            <a:off x="4266013" y="6050505"/>
-            <a:ext cx="3740126" cy="369332"/>
+            <a:off x="1917042" y="3972468"/>
+            <a:ext cx="2454967" cy="369332"/>
           </a:xfrm>
           <a:prstGeom prst="rect">
             <a:avLst/>
@@ -9669,72 +10295,25 @@
           <a:lstStyle/>
           <a:p>
             <a:r>
-              <a:rPr lang="en-US" altLang="zh-CN" dirty="0" smtClean="0">
-                <a:solidFill>
-                  <a:srgbClr val="018FB2"/>
-                </a:solidFill>
-                <a:latin typeface="微软雅黑" panose="020B0503020204020204" pitchFamily="34" charset="-122"/>
-                <a:ea typeface="微软雅黑" panose="020B0503020204020204" pitchFamily="34" charset="-122"/>
-              </a:rPr>
-              <a:t>Git</a:t>
-            </a:r>
-            <a:r>
-              <a:rPr lang="zh-CN" altLang="en-US" dirty="0" smtClean="0">
-                <a:solidFill>
-                  <a:srgbClr val="018FB2"/>
-                </a:solidFill>
-                <a:latin typeface="微软雅黑" panose="020B0503020204020204" pitchFamily="34" charset="-122"/>
-                <a:ea typeface="微软雅黑" panose="020B0503020204020204" pitchFamily="34" charset="-122"/>
-              </a:rPr>
-              <a:t>远程仓库</a:t>
-            </a:r>
-            <a:r>
-              <a:rPr lang="en-US" altLang="zh-CN" dirty="0" smtClean="0">
-                <a:solidFill>
-                  <a:srgbClr val="018FB2"/>
-                </a:solidFill>
-                <a:latin typeface="微软雅黑" panose="020B0503020204020204" pitchFamily="34" charset="-122"/>
-                <a:ea typeface="微软雅黑" panose="020B0503020204020204" pitchFamily="34" charset="-122"/>
-              </a:rPr>
-              <a:t>: </a:t>
-            </a:r>
-            <a:r>
-              <a:rPr lang="zh-CN" altLang="en-US" dirty="0" smtClean="0">
-                <a:solidFill>
-                  <a:srgbClr val="018FB2"/>
-                </a:solidFill>
-                <a:latin typeface="微软雅黑" panose="020B0503020204020204" pitchFamily="34" charset="-122"/>
-                <a:ea typeface="微软雅黑" panose="020B0503020204020204" pitchFamily="34" charset="-122"/>
-              </a:rPr>
-              <a:t>https://github.com</a:t>
-            </a:r>
-            <a:endParaRPr lang="zh-CN" altLang="en-US" dirty="0">
-              <a:solidFill>
-                <a:srgbClr val="018FB2"/>
-              </a:solidFill>
-              <a:latin typeface="微软雅黑" panose="020B0503020204020204" pitchFamily="34" charset="-122"/>
-              <a:ea typeface="微软雅黑" panose="020B0503020204020204" pitchFamily="34" charset="-122"/>
-            </a:endParaRPr>
+              <a:rPr lang="zh-CN" altLang="en-US" dirty="0">
+                <a:latin typeface="微软雅黑" panose="020B0503020204020204" pitchFamily="34" charset="-122"/>
+                <a:ea typeface="微软雅黑" panose="020B0503020204020204" pitchFamily="34" charset="-122"/>
+              </a:rPr>
+              <a:t>http://www.apjs.net/</a:t>
+            </a:r>
           </a:p>
         </p:txBody>
       </p:sp>
     </p:spTree>
     <p:extLst>
       <p:ext uri="{BB962C8B-B14F-4D97-AF65-F5344CB8AC3E}">
-        <p14:creationId xmlns:p14="http://schemas.microsoft.com/office/powerpoint/2010/main" val="2694189499"/>
+        <p14:creationId xmlns:p14="http://schemas.microsoft.com/office/powerpoint/2010/main" val="4191367175"/>
       </p:ext>
     </p:extLst>
   </p:cSld>
   <p:clrMapOvr>
     <a:masterClrMapping/>
   </p:clrMapOvr>
-  <p:timing>
-    <p:tnLst>
-      <p:par>
-        <p:cTn id="1" dur="indefinite" restart="never" nodeType="tmRoot"/>
-      </p:par>
-    </p:tnLst>
-  </p:timing>
 </p:sld>
 </file>
 
@@ -9767,8 +10346,8 @@
         </p:nvSpPr>
         <p:spPr>
           <a:xfrm>
-            <a:off x="2861452" y="387052"/>
-            <a:ext cx="6654023" cy="652792"/>
+            <a:off x="3404378" y="453727"/>
+            <a:ext cx="5463397" cy="652792"/>
           </a:xfrm>
         </p:spPr>
         <p:txBody>
@@ -9778,18 +10357,18 @@
             <a:r>
               <a:rPr lang="zh-CN" altLang="en-US" b="1" dirty="0" smtClean="0">
                 <a:solidFill>
-                  <a:srgbClr val="80BD01"/>
+                  <a:srgbClr val="9CDAF1"/>
                 </a:solidFill>
                 <a:latin typeface="微软雅黑" panose="020B0503020204020204" pitchFamily="34" charset="-122"/>
                 <a:ea typeface="微软雅黑" panose="020B0503020204020204" pitchFamily="34" charset="-122"/>
                 <a:cs typeface="+mn-cs"/>
               </a:rPr>
-              <a:t>运行平台 </a:t>
+              <a:t>版本管理工具 </a:t>
             </a:r>
             <a:r>
               <a:rPr lang="en-US" altLang="zh-CN" b="1" dirty="0" smtClean="0">
                 <a:solidFill>
-                  <a:srgbClr val="80BD01"/>
+                  <a:srgbClr val="9CDAF1"/>
                 </a:solidFill>
                 <a:latin typeface="微软雅黑" panose="020B0503020204020204" pitchFamily="34" charset="-122"/>
                 <a:ea typeface="微软雅黑" panose="020B0503020204020204" pitchFamily="34" charset="-122"/>
@@ -9804,8 +10383,9 @@
                 </a:solidFill>
                 <a:latin typeface="微软雅黑" panose="020B0503020204020204" pitchFamily="34" charset="-122"/>
                 <a:ea typeface="微软雅黑" panose="020B0503020204020204" pitchFamily="34" charset="-122"/>
-              </a:rPr>
-              <a:t>Node.js</a:t>
+                <a:cs typeface="+mn-cs"/>
+              </a:rPr>
+              <a:t>git</a:t>
             </a:r>
             <a:endParaRPr lang="zh-CN" altLang="en-US" b="1" dirty="0">
               <a:solidFill>
@@ -9818,16 +10398,70 @@
           </a:p>
         </p:txBody>
       </p:sp>
+      <p:sp>
+        <p:nvSpPr>
+          <p:cNvPr id="8" name="文本框 7"/>
+          <p:cNvSpPr txBox="1"/>
+          <p:nvPr/>
+        </p:nvSpPr>
+        <p:spPr>
+          <a:xfrm>
+            <a:off x="4266013" y="3205933"/>
+            <a:ext cx="3486555" cy="369332"/>
+          </a:xfrm>
+          <a:prstGeom prst="rect">
+            <a:avLst/>
+          </a:prstGeom>
+          <a:noFill/>
+        </p:spPr>
+        <p:txBody>
+          <a:bodyPr wrap="square" rtlCol="0">
+            <a:spAutoFit/>
+          </a:bodyPr>
+          <a:lstStyle/>
+          <a:p>
+            <a:r>
+              <a:rPr lang="zh-CN" altLang="en-US" dirty="0">
+                <a:solidFill>
+                  <a:srgbClr val="018FB2"/>
+                </a:solidFill>
+                <a:latin typeface="微软雅黑" panose="020B0503020204020204" pitchFamily="34" charset="-122"/>
+                <a:ea typeface="微软雅黑" panose="020B0503020204020204" pitchFamily="34" charset="-122"/>
+                <a:hlinkClick r:id="rId2"/>
+              </a:rPr>
+              <a:t>安装官网</a:t>
+            </a:r>
+            <a:r>
+              <a:rPr lang="en-US" altLang="zh-CN" dirty="0">
+                <a:solidFill>
+                  <a:srgbClr val="018FB2"/>
+                </a:solidFill>
+                <a:latin typeface="微软雅黑" panose="020B0503020204020204" pitchFamily="34" charset="-122"/>
+                <a:ea typeface="微软雅黑" panose="020B0503020204020204" pitchFamily="34" charset="-122"/>
+                <a:hlinkClick r:id="rId2"/>
+              </a:rPr>
+              <a:t>: http://git-scm.com</a:t>
+            </a:r>
+            <a:endParaRPr lang="en-US" altLang="zh-CN" dirty="0">
+              <a:solidFill>
+                <a:srgbClr val="018FB2"/>
+              </a:solidFill>
+              <a:latin typeface="微软雅黑" panose="020B0503020204020204" pitchFamily="34" charset="-122"/>
+              <a:ea typeface="微软雅黑" panose="020B0503020204020204" pitchFamily="34" charset="-122"/>
+            </a:endParaRPr>
+          </a:p>
+        </p:txBody>
+      </p:sp>
       <p:pic>
         <p:nvPicPr>
-          <p:cNvPr id="5" name="图片 4"/>
+          <p:cNvPr id="9" name="图片 8"/>
           <p:cNvPicPr>
             <a:picLocks noChangeAspect="1"/>
           </p:cNvPicPr>
           <p:nvPr/>
         </p:nvPicPr>
         <p:blipFill>
-          <a:blip r:embed="rId2">
+          <a:blip r:embed="rId3">
             <a:extLst>
               <a:ext uri="{28A0092B-C50C-407E-A947-70E740481C1C}">
                 <a14:useLocalDpi xmlns:a14="http://schemas.microsoft.com/office/drawing/2010/main" val="0"/>
@@ -9840,24 +10474,54 @@
         </p:blipFill>
         <p:spPr>
           <a:xfrm>
-            <a:off x="2215062" y="1229043"/>
-            <a:ext cx="7167884" cy="4562157"/>
+            <a:off x="3709783" y="1518051"/>
+            <a:ext cx="4333875" cy="1276350"/>
           </a:xfrm>
           <a:prstGeom prst="rect">
             <a:avLst/>
           </a:prstGeom>
         </p:spPr>
       </p:pic>
+      <p:pic>
+        <p:nvPicPr>
+          <p:cNvPr id="10" name="图片 9"/>
+          <p:cNvPicPr>
+            <a:picLocks noChangeAspect="1"/>
+          </p:cNvPicPr>
+          <p:nvPr/>
+        </p:nvPicPr>
+        <p:blipFill>
+          <a:blip r:embed="rId4">
+            <a:extLst>
+              <a:ext uri="{28A0092B-C50C-407E-A947-70E740481C1C}">
+                <a14:useLocalDpi xmlns:a14="http://schemas.microsoft.com/office/drawing/2010/main" val="0"/>
+              </a:ext>
+            </a:extLst>
+          </a:blip>
+          <a:stretch>
+            <a:fillRect/>
+          </a:stretch>
+        </p:blipFill>
+        <p:spPr>
+          <a:xfrm>
+            <a:off x="0" y="4028717"/>
+            <a:ext cx="12192000" cy="1847016"/>
+          </a:xfrm>
+          <a:prstGeom prst="rect">
+            <a:avLst/>
+          </a:prstGeom>
+        </p:spPr>
+      </p:pic>
       <p:sp>
         <p:nvSpPr>
-          <p:cNvPr id="6" name="矩形 5"/>
+          <p:cNvPr id="11" name="矩形 10"/>
           <p:cNvSpPr/>
           <p:nvPr/>
         </p:nvSpPr>
         <p:spPr>
           <a:xfrm>
-            <a:off x="4388778" y="5980399"/>
-            <a:ext cx="2711448" cy="369332"/>
+            <a:off x="4266013" y="6050505"/>
+            <a:ext cx="3740126" cy="369332"/>
           </a:xfrm>
           <a:prstGeom prst="rect">
             <a:avLst/>
@@ -9870,13 +10534,49 @@
           <a:lstStyle/>
           <a:p>
             <a:r>
-              <a:rPr lang="zh-CN" altLang="en-US" b="1" dirty="0" smtClean="0">
-                <a:latin typeface="微软雅黑" panose="020B0503020204020204" pitchFamily="34" charset="-122"/>
-                <a:ea typeface="微软雅黑" panose="020B0503020204020204" pitchFamily="34" charset="-122"/>
-              </a:rPr>
-              <a:t>https://nodejs.org/en</a:t>
-            </a:r>
-            <a:endParaRPr lang="zh-CN" altLang="en-US" b="1" dirty="0">
+              <a:rPr lang="en-US" altLang="zh-CN" dirty="0" smtClean="0">
+                <a:solidFill>
+                  <a:srgbClr val="018FB2"/>
+                </a:solidFill>
+                <a:latin typeface="微软雅黑" panose="020B0503020204020204" pitchFamily="34" charset="-122"/>
+                <a:ea typeface="微软雅黑" panose="020B0503020204020204" pitchFamily="34" charset="-122"/>
+              </a:rPr>
+              <a:t>Git</a:t>
+            </a:r>
+            <a:r>
+              <a:rPr lang="zh-CN" altLang="en-US" dirty="0" smtClean="0">
+                <a:solidFill>
+                  <a:srgbClr val="018FB2"/>
+                </a:solidFill>
+                <a:latin typeface="微软雅黑" panose="020B0503020204020204" pitchFamily="34" charset="-122"/>
+                <a:ea typeface="微软雅黑" panose="020B0503020204020204" pitchFamily="34" charset="-122"/>
+              </a:rPr>
+              <a:t>远程仓库</a:t>
+            </a:r>
+            <a:r>
+              <a:rPr lang="en-US" altLang="zh-CN" dirty="0" smtClean="0">
+                <a:solidFill>
+                  <a:srgbClr val="018FB2"/>
+                </a:solidFill>
+                <a:latin typeface="微软雅黑" panose="020B0503020204020204" pitchFamily="34" charset="-122"/>
+                <a:ea typeface="微软雅黑" panose="020B0503020204020204" pitchFamily="34" charset="-122"/>
+              </a:rPr>
+              <a:t>: </a:t>
+            </a:r>
+            <a:r>
+              <a:rPr lang="zh-CN" altLang="en-US" dirty="0" smtClean="0">
+                <a:solidFill>
+                  <a:srgbClr val="018FB2"/>
+                </a:solidFill>
+                <a:latin typeface="微软雅黑" panose="020B0503020204020204" pitchFamily="34" charset="-122"/>
+                <a:ea typeface="微软雅黑" panose="020B0503020204020204" pitchFamily="34" charset="-122"/>
+              </a:rPr>
+              <a:t>https://github.com</a:t>
+            </a:r>
+            <a:endParaRPr lang="zh-CN" altLang="en-US" dirty="0">
+              <a:solidFill>
+                <a:srgbClr val="018FB2"/>
+              </a:solidFill>
               <a:latin typeface="微软雅黑" panose="020B0503020204020204" pitchFamily="34" charset="-122"/>
               <a:ea typeface="微软雅黑" panose="020B0503020204020204" pitchFamily="34" charset="-122"/>
             </a:endParaRPr>
@@ -9886,7 +10586,7 @@
     </p:spTree>
     <p:extLst>
       <p:ext uri="{BB962C8B-B14F-4D97-AF65-F5344CB8AC3E}">
-        <p14:creationId xmlns:p14="http://schemas.microsoft.com/office/powerpoint/2010/main" val="3415059168"/>
+        <p14:creationId xmlns:p14="http://schemas.microsoft.com/office/powerpoint/2010/main" val="2694189499"/>
       </p:ext>
     </p:extLst>
   </p:cSld>
@@ -9932,8 +10632,8 @@
         </p:nvSpPr>
         <p:spPr>
           <a:xfrm>
-            <a:off x="2489977" y="348952"/>
-            <a:ext cx="7377923" cy="652792"/>
+            <a:off x="2861452" y="387052"/>
+            <a:ext cx="6654023" cy="652792"/>
           </a:xfrm>
         </p:spPr>
         <p:txBody>
@@ -9943,18 +10643,18 @@
             <a:r>
               <a:rPr lang="zh-CN" altLang="en-US" b="1" dirty="0" smtClean="0">
                 <a:solidFill>
-                  <a:srgbClr val="232323"/>
+                  <a:srgbClr val="80BD01"/>
                 </a:solidFill>
                 <a:latin typeface="微软雅黑" panose="020B0503020204020204" pitchFamily="34" charset="-122"/>
                 <a:ea typeface="微软雅黑" panose="020B0503020204020204" pitchFamily="34" charset="-122"/>
                 <a:cs typeface="+mn-cs"/>
               </a:rPr>
-              <a:t>自动化构建工具</a:t>
+              <a:t>运行平台 </a:t>
             </a:r>
             <a:r>
               <a:rPr lang="en-US" altLang="zh-CN" b="1" dirty="0" smtClean="0">
                 <a:solidFill>
-                  <a:srgbClr val="232323"/>
+                  <a:srgbClr val="80BD01"/>
                 </a:solidFill>
                 <a:latin typeface="微软雅黑" panose="020B0503020204020204" pitchFamily="34" charset="-122"/>
                 <a:ea typeface="微软雅黑" panose="020B0503020204020204" pitchFamily="34" charset="-122"/>
@@ -9965,7 +10665,7 @@
             <a:r>
               <a:rPr lang="en-US" altLang="zh-CN" b="1" dirty="0" smtClean="0">
                 <a:solidFill>
-                  <a:srgbClr val="EB4A4B"/>
+                  <a:srgbClr val="F05036"/>
                 </a:solidFill>
                 <a:latin typeface="微软雅黑" panose="020B0503020204020204" pitchFamily="34" charset="-122"/>
                 <a:ea typeface="微软雅黑" panose="020B0503020204020204" pitchFamily="34" charset="-122"/>
@@ -9974,7 +10674,7 @@
             </a:r>
             <a:endParaRPr lang="zh-CN" altLang="en-US" b="1" dirty="0">
               <a:solidFill>
-                <a:srgbClr val="EB4A4B"/>
+                <a:srgbClr val="F05036"/>
               </a:solidFill>
               <a:latin typeface="微软雅黑" panose="020B0503020204020204" pitchFamily="34" charset="-122"/>
               <a:ea typeface="微软雅黑" panose="020B0503020204020204" pitchFamily="34" charset="-122"/>
@@ -9985,7 +10685,7 @@
       </p:sp>
       <p:pic>
         <p:nvPicPr>
-          <p:cNvPr id="6" name="图片 5"/>
+          <p:cNvPr id="5" name="图片 4"/>
           <p:cNvPicPr>
             <a:picLocks noChangeAspect="1"/>
           </p:cNvPicPr>
@@ -10005,8 +10705,8 @@
         </p:blipFill>
         <p:spPr>
           <a:xfrm>
-            <a:off x="2152650" y="1590675"/>
-            <a:ext cx="2171700" cy="3562350"/>
+            <a:off x="2215062" y="1229043"/>
+            <a:ext cx="7167884" cy="4562157"/>
           </a:xfrm>
           <a:prstGeom prst="rect">
             <a:avLst/>
@@ -10015,457 +10715,43 @@
       </p:pic>
       <p:sp>
         <p:nvSpPr>
-          <p:cNvPr id="7" name="文本框 6"/>
-          <p:cNvSpPr txBox="1"/>
+          <p:cNvPr id="6" name="矩形 5"/>
+          <p:cNvSpPr/>
           <p:nvPr/>
         </p:nvSpPr>
         <p:spPr>
           <a:xfrm>
-            <a:off x="6067425" y="1333500"/>
-            <a:ext cx="4012830" cy="4939814"/>
+            <a:off x="4388778" y="5980399"/>
+            <a:ext cx="2711448" cy="369332"/>
           </a:xfrm>
           <a:prstGeom prst="rect">
             <a:avLst/>
           </a:prstGeom>
-          <a:noFill/>
         </p:spPr>
         <p:txBody>
-          <a:bodyPr wrap="none" rtlCol="0">
+          <a:bodyPr wrap="none">
             <a:spAutoFit/>
           </a:bodyPr>
           <a:lstStyle/>
           <a:p>
-            <a:pPr marL="285750" indent="-285750">
-              <a:lnSpc>
-                <a:spcPct val="150000"/>
-              </a:lnSpc>
-              <a:buFont typeface="Arial" panose="020B0604020202020204" pitchFamily="34" charset="0"/>
-              <a:buChar char="•"/>
-            </a:pPr>
-            <a:r>
-              <a:rPr lang="zh-CN" altLang="en-US" dirty="0" smtClean="0">
-                <a:latin typeface="微软雅黑" panose="020B0503020204020204" pitchFamily="34" charset="-122"/>
-                <a:ea typeface="微软雅黑" panose="020B0503020204020204" pitchFamily="34" charset="-122"/>
-              </a:rPr>
-              <a:t>编译</a:t>
-            </a:r>
-            <a:r>
-              <a:rPr lang="en-US" altLang="zh-CN" dirty="0" smtClean="0">
-                <a:latin typeface="微软雅黑" panose="020B0503020204020204" pitchFamily="34" charset="-122"/>
-                <a:ea typeface="微软雅黑" panose="020B0503020204020204" pitchFamily="34" charset="-122"/>
-              </a:rPr>
-              <a:t>Sass (gulp-ruby-sass)</a:t>
-            </a:r>
-          </a:p>
-          <a:p>
-            <a:pPr marL="285750" indent="-285750">
-              <a:lnSpc>
-                <a:spcPct val="150000"/>
-              </a:lnSpc>
-              <a:buFont typeface="Arial" panose="020B0604020202020204" pitchFamily="34" charset="0"/>
-              <a:buChar char="•"/>
-            </a:pPr>
-            <a:r>
-              <a:rPr lang="en-US" altLang="zh-CN" dirty="0" err="1" smtClean="0">
-                <a:latin typeface="微软雅黑" panose="020B0503020204020204" pitchFamily="34" charset="-122"/>
-                <a:ea typeface="微软雅黑" panose="020B0503020204020204" pitchFamily="34" charset="-122"/>
-              </a:rPr>
-              <a:t>Autoprefixer</a:t>
-            </a:r>
-            <a:r>
-              <a:rPr lang="en-US" altLang="zh-CN" dirty="0" smtClean="0">
-                <a:latin typeface="微软雅黑" panose="020B0503020204020204" pitchFamily="34" charset="-122"/>
-                <a:ea typeface="微软雅黑" panose="020B0503020204020204" pitchFamily="34" charset="-122"/>
-              </a:rPr>
-              <a:t> (gulp-</a:t>
-            </a:r>
-            <a:r>
-              <a:rPr lang="en-US" altLang="zh-CN" dirty="0" err="1" smtClean="0">
-                <a:latin typeface="微软雅黑" panose="020B0503020204020204" pitchFamily="34" charset="-122"/>
-                <a:ea typeface="微软雅黑" panose="020B0503020204020204" pitchFamily="34" charset="-122"/>
-              </a:rPr>
-              <a:t>autoprefixer</a:t>
-            </a:r>
-            <a:r>
-              <a:rPr lang="en-US" altLang="zh-CN" dirty="0" smtClean="0">
-                <a:latin typeface="微软雅黑" panose="020B0503020204020204" pitchFamily="34" charset="-122"/>
-                <a:ea typeface="微软雅黑" panose="020B0503020204020204" pitchFamily="34" charset="-122"/>
-              </a:rPr>
-              <a:t>)</a:t>
-            </a:r>
-          </a:p>
-          <a:p>
-            <a:pPr marL="285750" indent="-285750">
-              <a:lnSpc>
-                <a:spcPct val="150000"/>
-              </a:lnSpc>
-              <a:buFont typeface="Arial" panose="020B0604020202020204" pitchFamily="34" charset="0"/>
-              <a:buChar char="•"/>
-            </a:pPr>
-            <a:r>
-              <a:rPr lang="zh-CN" altLang="en-US" dirty="0" smtClean="0">
-                <a:latin typeface="微软雅黑" panose="020B0503020204020204" pitchFamily="34" charset="-122"/>
-                <a:ea typeface="微软雅黑" panose="020B0503020204020204" pitchFamily="34" charset="-122"/>
-              </a:rPr>
-              <a:t>压缩</a:t>
-            </a:r>
-            <a:r>
-              <a:rPr lang="en-US" altLang="zh-CN" dirty="0" smtClean="0">
-                <a:latin typeface="微软雅黑" panose="020B0503020204020204" pitchFamily="34" charset="-122"/>
-                <a:ea typeface="微软雅黑" panose="020B0503020204020204" pitchFamily="34" charset="-122"/>
-              </a:rPr>
-              <a:t>CSS (gulp-minify-</a:t>
-            </a:r>
-            <a:r>
-              <a:rPr lang="en-US" altLang="zh-CN" dirty="0" err="1" smtClean="0">
-                <a:latin typeface="微软雅黑" panose="020B0503020204020204" pitchFamily="34" charset="-122"/>
-                <a:ea typeface="微软雅黑" panose="020B0503020204020204" pitchFamily="34" charset="-122"/>
-              </a:rPr>
-              <a:t>css</a:t>
-            </a:r>
-            <a:r>
-              <a:rPr lang="en-US" altLang="zh-CN" dirty="0" smtClean="0">
-                <a:latin typeface="微软雅黑" panose="020B0503020204020204" pitchFamily="34" charset="-122"/>
-                <a:ea typeface="微软雅黑" panose="020B0503020204020204" pitchFamily="34" charset="-122"/>
-              </a:rPr>
-              <a:t>)</a:t>
-            </a:r>
-          </a:p>
-          <a:p>
-            <a:pPr marL="285750" indent="-285750">
-              <a:lnSpc>
-                <a:spcPct val="150000"/>
-              </a:lnSpc>
-              <a:buFont typeface="Arial" panose="020B0604020202020204" pitchFamily="34" charset="0"/>
-              <a:buChar char="•"/>
-            </a:pPr>
-            <a:r>
-              <a:rPr lang="en-US" altLang="zh-CN" dirty="0" err="1" smtClean="0">
-                <a:latin typeface="微软雅黑" panose="020B0503020204020204" pitchFamily="34" charset="-122"/>
-                <a:ea typeface="微软雅黑" panose="020B0503020204020204" pitchFamily="34" charset="-122"/>
-              </a:rPr>
-              <a:t>JSHint</a:t>
-            </a:r>
-            <a:r>
-              <a:rPr lang="en-US" altLang="zh-CN" dirty="0" smtClean="0">
-                <a:latin typeface="微软雅黑" panose="020B0503020204020204" pitchFamily="34" charset="-122"/>
-                <a:ea typeface="微软雅黑" panose="020B0503020204020204" pitchFamily="34" charset="-122"/>
-              </a:rPr>
-              <a:t> (gulp-</a:t>
-            </a:r>
-            <a:r>
-              <a:rPr lang="en-US" altLang="zh-CN" dirty="0" err="1" smtClean="0">
-                <a:latin typeface="微软雅黑" panose="020B0503020204020204" pitchFamily="34" charset="-122"/>
-                <a:ea typeface="微软雅黑" panose="020B0503020204020204" pitchFamily="34" charset="-122"/>
-              </a:rPr>
-              <a:t>jshint</a:t>
-            </a:r>
-            <a:r>
-              <a:rPr lang="en-US" altLang="zh-CN" dirty="0" smtClean="0">
-                <a:latin typeface="微软雅黑" panose="020B0503020204020204" pitchFamily="34" charset="-122"/>
-                <a:ea typeface="微软雅黑" panose="020B0503020204020204" pitchFamily="34" charset="-122"/>
-              </a:rPr>
-              <a:t>)</a:t>
-            </a:r>
-          </a:p>
-          <a:p>
-            <a:pPr marL="285750" indent="-285750">
-              <a:lnSpc>
-                <a:spcPct val="150000"/>
-              </a:lnSpc>
-              <a:buFont typeface="Arial" panose="020B0604020202020204" pitchFamily="34" charset="0"/>
-              <a:buChar char="•"/>
-            </a:pPr>
-            <a:r>
-              <a:rPr lang="zh-CN" altLang="en-US" dirty="0" smtClean="0">
-                <a:latin typeface="微软雅黑" panose="020B0503020204020204" pitchFamily="34" charset="-122"/>
-                <a:ea typeface="微软雅黑" panose="020B0503020204020204" pitchFamily="34" charset="-122"/>
-              </a:rPr>
-              <a:t>合并 </a:t>
-            </a:r>
-            <a:r>
-              <a:rPr lang="en-US" altLang="zh-CN" dirty="0" smtClean="0">
-                <a:latin typeface="微软雅黑" panose="020B0503020204020204" pitchFamily="34" charset="-122"/>
-                <a:ea typeface="微软雅黑" panose="020B0503020204020204" pitchFamily="34" charset="-122"/>
-              </a:rPr>
-              <a:t>(gulp-</a:t>
-            </a:r>
-            <a:r>
-              <a:rPr lang="en-US" altLang="zh-CN" dirty="0" err="1" smtClean="0">
-                <a:latin typeface="微软雅黑" panose="020B0503020204020204" pitchFamily="34" charset="-122"/>
-                <a:ea typeface="微软雅黑" panose="020B0503020204020204" pitchFamily="34" charset="-122"/>
-              </a:rPr>
-              <a:t>concat</a:t>
-            </a:r>
-            <a:r>
-              <a:rPr lang="en-US" altLang="zh-CN" dirty="0" smtClean="0">
-                <a:latin typeface="微软雅黑" panose="020B0503020204020204" pitchFamily="34" charset="-122"/>
-                <a:ea typeface="微软雅黑" panose="020B0503020204020204" pitchFamily="34" charset="-122"/>
-              </a:rPr>
-              <a:t>)</a:t>
-            </a:r>
-          </a:p>
-          <a:p>
-            <a:pPr marL="285750" indent="-285750">
-              <a:lnSpc>
-                <a:spcPct val="150000"/>
-              </a:lnSpc>
-              <a:buFont typeface="Arial" panose="020B0604020202020204" pitchFamily="34" charset="0"/>
-              <a:buChar char="•"/>
-            </a:pPr>
-            <a:r>
-              <a:rPr lang="zh-CN" altLang="en-US" dirty="0" smtClean="0">
-                <a:latin typeface="微软雅黑" panose="020B0503020204020204" pitchFamily="34" charset="-122"/>
-                <a:ea typeface="微软雅黑" panose="020B0503020204020204" pitchFamily="34" charset="-122"/>
-              </a:rPr>
-              <a:t>压缩</a:t>
-            </a:r>
-            <a:r>
-              <a:rPr lang="en-US" altLang="zh-CN" dirty="0" smtClean="0">
-                <a:latin typeface="微软雅黑" panose="020B0503020204020204" pitchFamily="34" charset="-122"/>
-                <a:ea typeface="微软雅黑" panose="020B0503020204020204" pitchFamily="34" charset="-122"/>
-              </a:rPr>
-              <a:t>JS (gulp-</a:t>
-            </a:r>
-            <a:r>
-              <a:rPr lang="en-US" altLang="zh-CN" dirty="0" err="1" smtClean="0">
-                <a:latin typeface="微软雅黑" panose="020B0503020204020204" pitchFamily="34" charset="-122"/>
-                <a:ea typeface="微软雅黑" panose="020B0503020204020204" pitchFamily="34" charset="-122"/>
-              </a:rPr>
-              <a:t>uglify</a:t>
-            </a:r>
-            <a:r>
-              <a:rPr lang="en-US" altLang="zh-CN" dirty="0" smtClean="0">
-                <a:latin typeface="微软雅黑" panose="020B0503020204020204" pitchFamily="34" charset="-122"/>
-                <a:ea typeface="微软雅黑" panose="020B0503020204020204" pitchFamily="34" charset="-122"/>
-              </a:rPr>
-              <a:t>)</a:t>
-            </a:r>
-          </a:p>
-          <a:p>
-            <a:pPr marL="285750" indent="-285750">
-              <a:lnSpc>
-                <a:spcPct val="150000"/>
-              </a:lnSpc>
-              <a:buFont typeface="Arial" panose="020B0604020202020204" pitchFamily="34" charset="0"/>
-              <a:buChar char="•"/>
-            </a:pPr>
-            <a:r>
-              <a:rPr lang="zh-CN" altLang="en-US" dirty="0" smtClean="0">
-                <a:latin typeface="微软雅黑" panose="020B0503020204020204" pitchFamily="34" charset="-122"/>
-                <a:ea typeface="微软雅黑" panose="020B0503020204020204" pitchFamily="34" charset="-122"/>
-              </a:rPr>
-              <a:t>压缩</a:t>
-            </a:r>
-            <a:r>
-              <a:rPr lang="zh-CN" altLang="en-US" dirty="0" smtClean="0">
-                <a:latin typeface="微软雅黑" panose="020B0503020204020204" pitchFamily="34" charset="-122"/>
-                <a:ea typeface="微软雅黑" panose="020B0503020204020204" pitchFamily="34" charset="-122"/>
-              </a:rPr>
-              <a:t>图片</a:t>
-            </a:r>
-            <a:r>
-              <a:rPr lang="en-US" altLang="zh-CN" dirty="0" smtClean="0">
-                <a:latin typeface="微软雅黑" panose="020B0503020204020204" pitchFamily="34" charset="-122"/>
-                <a:ea typeface="微软雅黑" panose="020B0503020204020204" pitchFamily="34" charset="-122"/>
-              </a:rPr>
-              <a:t>(gulp-</a:t>
-            </a:r>
-            <a:r>
-              <a:rPr lang="en-US" altLang="zh-CN" dirty="0" err="1" smtClean="0">
-                <a:latin typeface="微软雅黑" panose="020B0503020204020204" pitchFamily="34" charset="-122"/>
-                <a:ea typeface="微软雅黑" panose="020B0503020204020204" pitchFamily="34" charset="-122"/>
-              </a:rPr>
-              <a:t>imagemin</a:t>
-            </a:r>
-            <a:r>
-              <a:rPr lang="en-US" altLang="zh-CN" dirty="0" smtClean="0">
-                <a:latin typeface="微软雅黑" panose="020B0503020204020204" pitchFamily="34" charset="-122"/>
-                <a:ea typeface="微软雅黑" panose="020B0503020204020204" pitchFamily="34" charset="-122"/>
-              </a:rPr>
-              <a:t>)</a:t>
-            </a:r>
-          </a:p>
-          <a:p>
-            <a:pPr marL="285750" indent="-285750">
-              <a:lnSpc>
-                <a:spcPct val="150000"/>
-              </a:lnSpc>
-              <a:buFont typeface="Arial" panose="020B0604020202020204" pitchFamily="34" charset="0"/>
-              <a:buChar char="•"/>
-            </a:pPr>
-            <a:r>
-              <a:rPr lang="zh-CN" altLang="en-US" dirty="0" smtClean="0">
-                <a:latin typeface="微软雅黑" panose="020B0503020204020204" pitchFamily="34" charset="-122"/>
-                <a:ea typeface="微软雅黑" panose="020B0503020204020204" pitchFamily="34" charset="-122"/>
-              </a:rPr>
-              <a:t>即时重启</a:t>
-            </a:r>
-            <a:r>
-              <a:rPr lang="en-US" altLang="zh-CN" dirty="0" smtClean="0">
-                <a:latin typeface="微软雅黑" panose="020B0503020204020204" pitchFamily="34" charset="-122"/>
-                <a:ea typeface="微软雅黑" panose="020B0503020204020204" pitchFamily="34" charset="-122"/>
-              </a:rPr>
-              <a:t> (gulp-</a:t>
-            </a:r>
-            <a:r>
-              <a:rPr lang="en-US" altLang="zh-CN" dirty="0" err="1" smtClean="0">
-                <a:latin typeface="微软雅黑" panose="020B0503020204020204" pitchFamily="34" charset="-122"/>
-                <a:ea typeface="微软雅黑" panose="020B0503020204020204" pitchFamily="34" charset="-122"/>
-              </a:rPr>
-              <a:t>livereload</a:t>
-            </a:r>
-            <a:r>
-              <a:rPr lang="en-US" altLang="zh-CN" dirty="0" smtClean="0">
-                <a:latin typeface="微软雅黑" panose="020B0503020204020204" pitchFamily="34" charset="-122"/>
-                <a:ea typeface="微软雅黑" panose="020B0503020204020204" pitchFamily="34" charset="-122"/>
-              </a:rPr>
-              <a:t>)</a:t>
-            </a:r>
-          </a:p>
-          <a:p>
-            <a:pPr marL="285750" indent="-285750">
-              <a:lnSpc>
-                <a:spcPct val="150000"/>
-              </a:lnSpc>
-              <a:buFont typeface="Arial" panose="020B0604020202020204" pitchFamily="34" charset="0"/>
-              <a:buChar char="•"/>
-            </a:pPr>
-            <a:r>
-              <a:rPr lang="zh-CN" altLang="en-US" dirty="0" smtClean="0">
-                <a:latin typeface="微软雅黑" panose="020B0503020204020204" pitchFamily="34" charset="-122"/>
-                <a:ea typeface="微软雅黑" panose="020B0503020204020204" pitchFamily="34" charset="-122"/>
-              </a:rPr>
-              <a:t>清除目录 </a:t>
-            </a:r>
-            <a:r>
-              <a:rPr lang="en-US" altLang="zh-CN" dirty="0" smtClean="0">
-                <a:latin typeface="微软雅黑" panose="020B0503020204020204" pitchFamily="34" charset="-122"/>
-                <a:ea typeface="微软雅黑" panose="020B0503020204020204" pitchFamily="34" charset="-122"/>
-              </a:rPr>
-              <a:t>(gulp-clean)</a:t>
-            </a:r>
-          </a:p>
-          <a:p>
-            <a:pPr marL="285750" indent="-285750">
-              <a:lnSpc>
-                <a:spcPct val="150000"/>
-              </a:lnSpc>
-              <a:buFont typeface="Arial" panose="020B0604020202020204" pitchFamily="34" charset="0"/>
-              <a:buChar char="•"/>
-            </a:pPr>
-            <a:r>
-              <a:rPr lang="zh-CN" altLang="en-US" dirty="0" smtClean="0">
-                <a:latin typeface="微软雅黑" panose="020B0503020204020204" pitchFamily="34" charset="-122"/>
-                <a:ea typeface="微软雅黑" panose="020B0503020204020204" pitchFamily="34" charset="-122"/>
-              </a:rPr>
-              <a:t>图片缓存</a:t>
-            </a:r>
-            <a:r>
-              <a:rPr lang="en-US" altLang="zh-CN" dirty="0" smtClean="0">
-                <a:latin typeface="微软雅黑" panose="020B0503020204020204" pitchFamily="34" charset="-122"/>
-                <a:ea typeface="微软雅黑" panose="020B0503020204020204" pitchFamily="34" charset="-122"/>
-              </a:rPr>
-              <a:t>(gulp-cache)</a:t>
-            </a:r>
-          </a:p>
-          <a:p>
-            <a:pPr marL="285750" indent="-285750">
-              <a:lnSpc>
-                <a:spcPct val="150000"/>
-              </a:lnSpc>
-              <a:buFont typeface="Arial" panose="020B0604020202020204" pitchFamily="34" charset="0"/>
-              <a:buChar char="•"/>
-            </a:pPr>
-            <a:r>
-              <a:rPr lang="zh-CN" altLang="en-US" dirty="0" smtClean="0">
-                <a:latin typeface="微软雅黑" panose="020B0503020204020204" pitchFamily="34" charset="-122"/>
-                <a:ea typeface="微软雅黑" panose="020B0503020204020204" pitchFamily="34" charset="-122"/>
-              </a:rPr>
-              <a:t>更动通知 </a:t>
-            </a:r>
-            <a:r>
-              <a:rPr lang="en-US" altLang="zh-CN" dirty="0" smtClean="0">
-                <a:latin typeface="微软雅黑" panose="020B0503020204020204" pitchFamily="34" charset="-122"/>
-                <a:ea typeface="微软雅黑" panose="020B0503020204020204" pitchFamily="34" charset="-122"/>
-              </a:rPr>
-              <a:t>(gulp-notify)</a:t>
-            </a:r>
-          </a:p>
-          <a:p>
-            <a:endParaRPr lang="zh-CN" altLang="en-US" dirty="0"/>
-          </a:p>
-        </p:txBody>
-      </p:sp>
-      <p:sp>
-        <p:nvSpPr>
-          <p:cNvPr id="8" name="矩形 7"/>
-          <p:cNvSpPr/>
-          <p:nvPr/>
-        </p:nvSpPr>
-        <p:spPr>
-          <a:xfrm>
-            <a:off x="1348114" y="5418790"/>
-            <a:ext cx="4233536" cy="646331"/>
-          </a:xfrm>
-          <a:prstGeom prst="rect">
-            <a:avLst/>
-          </a:prstGeom>
-        </p:spPr>
-        <p:txBody>
-          <a:bodyPr wrap="square">
-            <a:spAutoFit/>
-          </a:bodyPr>
-          <a:lstStyle/>
-          <a:p>
-            <a:r>
-              <a:rPr lang="zh-CN" altLang="en-US" dirty="0" smtClean="0">
-                <a:latin typeface="微软雅黑" panose="020B0503020204020204" pitchFamily="34" charset="-122"/>
-                <a:ea typeface="微软雅黑" panose="020B0503020204020204" pitchFamily="34" charset="-122"/>
-              </a:rPr>
-              <a:t>英文官网</a:t>
-            </a:r>
-            <a:r>
-              <a:rPr lang="en-US" altLang="zh-CN" dirty="0" smtClean="0">
-                <a:latin typeface="微软雅黑" panose="020B0503020204020204" pitchFamily="34" charset="-122"/>
-                <a:ea typeface="微软雅黑" panose="020B0503020204020204" pitchFamily="34" charset="-122"/>
-              </a:rPr>
-              <a:t>: </a:t>
-            </a:r>
-            <a:r>
-              <a:rPr lang="zh-CN" altLang="en-US" dirty="0" smtClean="0">
-                <a:latin typeface="微软雅黑" panose="020B0503020204020204" pitchFamily="34" charset="-122"/>
-                <a:ea typeface="微软雅黑" panose="020B0503020204020204" pitchFamily="34" charset="-122"/>
-              </a:rPr>
-              <a:t>http://gulpjs.com</a:t>
-            </a:r>
-            <a:endParaRPr lang="en-US" altLang="zh-CN" dirty="0" smtClean="0">
+            <a:r>
+              <a:rPr lang="zh-CN" altLang="en-US" b="1" dirty="0" smtClean="0">
+                <a:latin typeface="微软雅黑" panose="020B0503020204020204" pitchFamily="34" charset="-122"/>
+                <a:ea typeface="微软雅黑" panose="020B0503020204020204" pitchFamily="34" charset="-122"/>
+              </a:rPr>
+              <a:t>https://nodejs.org/en</a:t>
+            </a:r>
+            <a:endParaRPr lang="zh-CN" altLang="en-US" b="1" dirty="0">
               <a:latin typeface="微软雅黑" panose="020B0503020204020204" pitchFamily="34" charset="-122"/>
               <a:ea typeface="微软雅黑" panose="020B0503020204020204" pitchFamily="34" charset="-122"/>
             </a:endParaRPr>
-          </a:p>
-          <a:p>
-            <a:r>
-              <a:rPr lang="zh-CN" altLang="en-US" dirty="0" smtClean="0">
-                <a:latin typeface="微软雅黑" panose="020B0503020204020204" pitchFamily="34" charset="-122"/>
-                <a:ea typeface="微软雅黑" panose="020B0503020204020204" pitchFamily="34" charset="-122"/>
-              </a:rPr>
-              <a:t>中文官网</a:t>
-            </a:r>
-            <a:r>
-              <a:rPr lang="en-US" altLang="zh-CN" dirty="0" smtClean="0">
-                <a:latin typeface="微软雅黑" panose="020B0503020204020204" pitchFamily="34" charset="-122"/>
-                <a:ea typeface="微软雅黑" panose="020B0503020204020204" pitchFamily="34" charset="-122"/>
-              </a:rPr>
-              <a:t>: http://www.gulpjs.com.cn</a:t>
-            </a:r>
           </a:p>
         </p:txBody>
       </p:sp>
     </p:spTree>
     <p:extLst>
       <p:ext uri="{BB962C8B-B14F-4D97-AF65-F5344CB8AC3E}">
-        <p14:creationId xmlns:p14="http://schemas.microsoft.com/office/powerpoint/2010/main" val="1167261701"/>
+        <p14:creationId xmlns:p14="http://schemas.microsoft.com/office/powerpoint/2010/main" val="3415059168"/>
       </p:ext>
     </p:extLst>
   </p:cSld>
